--- a/RandomGame.pptx
+++ b/RandomGame.pptx
@@ -4,19 +4,25 @@
   <p:sldMasterIdLst>
     <p:sldMasterId id="2147483648" r:id="rId1"/>
   </p:sldMasterIdLst>
+  <p:notesMasterIdLst>
+    <p:notesMasterId r:id="rId17"/>
+  </p:notesMasterIdLst>
   <p:sldIdLst>
     <p:sldId id="256" r:id="rId2"/>
     <p:sldId id="263" r:id="rId3"/>
-    <p:sldId id="260" r:id="rId4"/>
-    <p:sldId id="261" r:id="rId5"/>
-    <p:sldId id="262" r:id="rId6"/>
-    <p:sldId id="258" r:id="rId7"/>
-    <p:sldId id="259" r:id="rId8"/>
-    <p:sldId id="267" r:id="rId9"/>
-    <p:sldId id="268" r:id="rId10"/>
-    <p:sldId id="266" r:id="rId11"/>
-    <p:sldId id="265" r:id="rId12"/>
-    <p:sldId id="264" r:id="rId13"/>
+    <p:sldId id="268" r:id="rId4"/>
+    <p:sldId id="260" r:id="rId5"/>
+    <p:sldId id="261" r:id="rId6"/>
+    <p:sldId id="262" r:id="rId7"/>
+    <p:sldId id="270" r:id="rId8"/>
+    <p:sldId id="271" r:id="rId9"/>
+    <p:sldId id="258" r:id="rId10"/>
+    <p:sldId id="267" r:id="rId11"/>
+    <p:sldId id="259" r:id="rId12"/>
+    <p:sldId id="266" r:id="rId13"/>
+    <p:sldId id="265" r:id="rId14"/>
+    <p:sldId id="264" r:id="rId15"/>
+    <p:sldId id="269" r:id="rId16"/>
   </p:sldIdLst>
   <p:sldSz cx="9144000" cy="6858000" type="screen4x3"/>
   <p:notesSz cx="6858000" cy="9144000"/>
@@ -115,7 +121,457 @@
       </a:defRPr>
     </a:lvl9pPr>
   </p:defaultTextStyle>
+  <p:extLst>
+    <p:ext uri="{EFAFB233-063F-42B5-8137-9DF3F51BA10A}">
+      <p15:sldGuideLst xmlns:p15="http://schemas.microsoft.com/office/powerpoint/2012/main">
+        <p15:guide id="1" orient="horz" pos="2160">
+          <p15:clr>
+            <a:srgbClr val="A4A3A4"/>
+          </p15:clr>
+        </p15:guide>
+        <p15:guide id="2" pos="2880">
+          <p15:clr>
+            <a:srgbClr val="A4A3A4"/>
+          </p15:clr>
+        </p15:guide>
+      </p15:sldGuideLst>
+    </p:ext>
+  </p:extLst>
 </p:presentation>
+</file>
+
+<file path=ppt/notesMasters/notesMaster1.xml><?xml version="1.0" encoding="utf-8"?>
+<p:notesMaster xmlns:a="http://schemas.openxmlformats.org/drawingml/2006/main" xmlns:r="http://schemas.openxmlformats.org/officeDocument/2006/relationships" xmlns:p="http://schemas.openxmlformats.org/presentationml/2006/main">
+  <p:cSld>
+    <p:bg>
+      <p:bgRef idx="1001">
+        <a:schemeClr val="bg1"/>
+      </p:bgRef>
+    </p:bg>
+    <p:spTree>
+      <p:nvGrpSpPr>
+        <p:cNvPr id="1" name=""/>
+        <p:cNvGrpSpPr/>
+        <p:nvPr/>
+      </p:nvGrpSpPr>
+      <p:grpSpPr>
+        <a:xfrm>
+          <a:off x="0" y="0"/>
+          <a:ext cx="0" cy="0"/>
+          <a:chOff x="0" y="0"/>
+          <a:chExt cx="0" cy="0"/>
+        </a:xfrm>
+      </p:grpSpPr>
+      <p:sp>
+        <p:nvSpPr>
+          <p:cNvPr id="2" name="Header Placeholder 1"/>
+          <p:cNvSpPr>
+            <a:spLocks noGrp="1"/>
+          </p:cNvSpPr>
+          <p:nvPr>
+            <p:ph type="hdr" sz="quarter"/>
+          </p:nvPr>
+        </p:nvSpPr>
+        <p:spPr>
+          <a:xfrm>
+            <a:off x="0" y="0"/>
+            <a:ext cx="2971800" cy="458788"/>
+          </a:xfrm>
+          <a:prstGeom prst="rect">
+            <a:avLst/>
+          </a:prstGeom>
+        </p:spPr>
+        <p:txBody>
+          <a:bodyPr vert="horz" lIns="91440" tIns="45720" rIns="91440" bIns="45720" rtlCol="0"/>
+          <a:lstStyle>
+            <a:lvl1pPr algn="l">
+              <a:defRPr sz="1200"/>
+            </a:lvl1pPr>
+          </a:lstStyle>
+          <a:p>
+            <a:endParaRPr lang="en-US"/>
+          </a:p>
+        </p:txBody>
+      </p:sp>
+      <p:sp>
+        <p:nvSpPr>
+          <p:cNvPr id="3" name="Date Placeholder 2"/>
+          <p:cNvSpPr>
+            <a:spLocks noGrp="1"/>
+          </p:cNvSpPr>
+          <p:nvPr>
+            <p:ph type="dt" idx="1"/>
+          </p:nvPr>
+        </p:nvSpPr>
+        <p:spPr>
+          <a:xfrm>
+            <a:off x="3884613" y="0"/>
+            <a:ext cx="2971800" cy="458788"/>
+          </a:xfrm>
+          <a:prstGeom prst="rect">
+            <a:avLst/>
+          </a:prstGeom>
+        </p:spPr>
+        <p:txBody>
+          <a:bodyPr vert="horz" lIns="91440" tIns="45720" rIns="91440" bIns="45720" rtlCol="0"/>
+          <a:lstStyle>
+            <a:lvl1pPr algn="r">
+              <a:defRPr sz="1200"/>
+            </a:lvl1pPr>
+          </a:lstStyle>
+          <a:p>
+            <a:fld id="{67509B34-6689-4189-9663-4DC4D5F1BB5E}" type="datetimeFigureOut">
+              <a:rPr lang="en-US" smtClean="0"/>
+              <a:t>1/22/2017</a:t>
+            </a:fld>
+            <a:endParaRPr lang="en-US"/>
+          </a:p>
+        </p:txBody>
+      </p:sp>
+      <p:sp>
+        <p:nvSpPr>
+          <p:cNvPr id="4" name="Slide Image Placeholder 3"/>
+          <p:cNvSpPr>
+            <a:spLocks noGrp="1" noRot="1" noChangeAspect="1"/>
+          </p:cNvSpPr>
+          <p:nvPr>
+            <p:ph type="sldImg" idx="2"/>
+          </p:nvPr>
+        </p:nvSpPr>
+        <p:spPr>
+          <a:xfrm>
+            <a:off x="1371600" y="1143000"/>
+            <a:ext cx="4114800" cy="3086100"/>
+          </a:xfrm>
+          <a:prstGeom prst="rect">
+            <a:avLst/>
+          </a:prstGeom>
+          <a:noFill/>
+          <a:ln w="12700">
+            <a:solidFill>
+              <a:prstClr val="black"/>
+            </a:solidFill>
+          </a:ln>
+        </p:spPr>
+        <p:txBody>
+          <a:bodyPr vert="horz" lIns="91440" tIns="45720" rIns="91440" bIns="45720" rtlCol="0" anchor="ctr"/>
+          <a:lstStyle/>
+          <a:p>
+            <a:endParaRPr lang="en-US"/>
+          </a:p>
+        </p:txBody>
+      </p:sp>
+      <p:sp>
+        <p:nvSpPr>
+          <p:cNvPr id="5" name="Notes Placeholder 4"/>
+          <p:cNvSpPr>
+            <a:spLocks noGrp="1"/>
+          </p:cNvSpPr>
+          <p:nvPr>
+            <p:ph type="body" sz="quarter" idx="3"/>
+          </p:nvPr>
+        </p:nvSpPr>
+        <p:spPr>
+          <a:xfrm>
+            <a:off x="685800" y="4400550"/>
+            <a:ext cx="5486400" cy="3600450"/>
+          </a:xfrm>
+          <a:prstGeom prst="rect">
+            <a:avLst/>
+          </a:prstGeom>
+        </p:spPr>
+        <p:txBody>
+          <a:bodyPr vert="horz" lIns="91440" tIns="45720" rIns="91440" bIns="45720" rtlCol="0"/>
+          <a:lstStyle/>
+          <a:p>
+            <a:pPr lvl="0"/>
+            <a:r>
+              <a:rPr lang="en-US" smtClean="0"/>
+              <a:t>Click to edit Master text styles</a:t>
+            </a:r>
+          </a:p>
+          <a:p>
+            <a:pPr lvl="1"/>
+            <a:r>
+              <a:rPr lang="en-US" smtClean="0"/>
+              <a:t>Second level</a:t>
+            </a:r>
+          </a:p>
+          <a:p>
+            <a:pPr lvl="2"/>
+            <a:r>
+              <a:rPr lang="en-US" smtClean="0"/>
+              <a:t>Third level</a:t>
+            </a:r>
+          </a:p>
+          <a:p>
+            <a:pPr lvl="3"/>
+            <a:r>
+              <a:rPr lang="en-US" smtClean="0"/>
+              <a:t>Fourth level</a:t>
+            </a:r>
+          </a:p>
+          <a:p>
+            <a:pPr lvl="4"/>
+            <a:r>
+              <a:rPr lang="en-US" smtClean="0"/>
+              <a:t>Fifth level</a:t>
+            </a:r>
+            <a:endParaRPr lang="en-US"/>
+          </a:p>
+        </p:txBody>
+      </p:sp>
+      <p:sp>
+        <p:nvSpPr>
+          <p:cNvPr id="6" name="Footer Placeholder 5"/>
+          <p:cNvSpPr>
+            <a:spLocks noGrp="1"/>
+          </p:cNvSpPr>
+          <p:nvPr>
+            <p:ph type="ftr" sz="quarter" idx="4"/>
+          </p:nvPr>
+        </p:nvSpPr>
+        <p:spPr>
+          <a:xfrm>
+            <a:off x="0" y="8685213"/>
+            <a:ext cx="2971800" cy="458787"/>
+          </a:xfrm>
+          <a:prstGeom prst="rect">
+            <a:avLst/>
+          </a:prstGeom>
+        </p:spPr>
+        <p:txBody>
+          <a:bodyPr vert="horz" lIns="91440" tIns="45720" rIns="91440" bIns="45720" rtlCol="0" anchor="b"/>
+          <a:lstStyle>
+            <a:lvl1pPr algn="l">
+              <a:defRPr sz="1200"/>
+            </a:lvl1pPr>
+          </a:lstStyle>
+          <a:p>
+            <a:endParaRPr lang="en-US"/>
+          </a:p>
+        </p:txBody>
+      </p:sp>
+      <p:sp>
+        <p:nvSpPr>
+          <p:cNvPr id="7" name="Slide Number Placeholder 6"/>
+          <p:cNvSpPr>
+            <a:spLocks noGrp="1"/>
+          </p:cNvSpPr>
+          <p:nvPr>
+            <p:ph type="sldNum" sz="quarter" idx="5"/>
+          </p:nvPr>
+        </p:nvSpPr>
+        <p:spPr>
+          <a:xfrm>
+            <a:off x="3884613" y="8685213"/>
+            <a:ext cx="2971800" cy="458787"/>
+          </a:xfrm>
+          <a:prstGeom prst="rect">
+            <a:avLst/>
+          </a:prstGeom>
+        </p:spPr>
+        <p:txBody>
+          <a:bodyPr vert="horz" lIns="91440" tIns="45720" rIns="91440" bIns="45720" rtlCol="0" anchor="b"/>
+          <a:lstStyle>
+            <a:lvl1pPr algn="r">
+              <a:defRPr sz="1200"/>
+            </a:lvl1pPr>
+          </a:lstStyle>
+          <a:p>
+            <a:fld id="{1589FB7F-2FFF-4A7C-ABAD-34C9B9965852}" type="slidenum">
+              <a:rPr lang="en-US" smtClean="0"/>
+              <a:t>‹#›</a:t>
+            </a:fld>
+            <a:endParaRPr lang="en-US"/>
+          </a:p>
+        </p:txBody>
+      </p:sp>
+    </p:spTree>
+    <p:extLst>
+      <p:ext uri="{BB962C8B-B14F-4D97-AF65-F5344CB8AC3E}">
+        <p14:creationId xmlns:p14="http://schemas.microsoft.com/office/powerpoint/2010/main" val="501599665"/>
+      </p:ext>
+    </p:extLst>
+  </p:cSld>
+  <p:clrMap bg1="lt1" tx1="dk1" bg2="lt2" tx2="dk2" accent1="accent1" accent2="accent2" accent3="accent3" accent4="accent4" accent5="accent5" accent6="accent6" hlink="hlink" folHlink="folHlink"/>
+  <p:notesStyle>
+    <a:lvl1pPr marL="0" algn="l" defTabSz="914400" rtl="0" eaLnBrk="1" latinLnBrk="0" hangingPunct="1">
+      <a:defRPr sz="1200" kern="1200">
+        <a:solidFill>
+          <a:schemeClr val="tx1"/>
+        </a:solidFill>
+        <a:latin typeface="+mn-lt"/>
+        <a:ea typeface="+mn-ea"/>
+        <a:cs typeface="+mn-cs"/>
+      </a:defRPr>
+    </a:lvl1pPr>
+    <a:lvl2pPr marL="457200" algn="l" defTabSz="914400" rtl="0" eaLnBrk="1" latinLnBrk="0" hangingPunct="1">
+      <a:defRPr sz="1200" kern="1200">
+        <a:solidFill>
+          <a:schemeClr val="tx1"/>
+        </a:solidFill>
+        <a:latin typeface="+mn-lt"/>
+        <a:ea typeface="+mn-ea"/>
+        <a:cs typeface="+mn-cs"/>
+      </a:defRPr>
+    </a:lvl2pPr>
+    <a:lvl3pPr marL="914400" algn="l" defTabSz="914400" rtl="0" eaLnBrk="1" latinLnBrk="0" hangingPunct="1">
+      <a:defRPr sz="1200" kern="1200">
+        <a:solidFill>
+          <a:schemeClr val="tx1"/>
+        </a:solidFill>
+        <a:latin typeface="+mn-lt"/>
+        <a:ea typeface="+mn-ea"/>
+        <a:cs typeface="+mn-cs"/>
+      </a:defRPr>
+    </a:lvl3pPr>
+    <a:lvl4pPr marL="1371600" algn="l" defTabSz="914400" rtl="0" eaLnBrk="1" latinLnBrk="0" hangingPunct="1">
+      <a:defRPr sz="1200" kern="1200">
+        <a:solidFill>
+          <a:schemeClr val="tx1"/>
+        </a:solidFill>
+        <a:latin typeface="+mn-lt"/>
+        <a:ea typeface="+mn-ea"/>
+        <a:cs typeface="+mn-cs"/>
+      </a:defRPr>
+    </a:lvl4pPr>
+    <a:lvl5pPr marL="1828800" algn="l" defTabSz="914400" rtl="0" eaLnBrk="1" latinLnBrk="0" hangingPunct="1">
+      <a:defRPr sz="1200" kern="1200">
+        <a:solidFill>
+          <a:schemeClr val="tx1"/>
+        </a:solidFill>
+        <a:latin typeface="+mn-lt"/>
+        <a:ea typeface="+mn-ea"/>
+        <a:cs typeface="+mn-cs"/>
+      </a:defRPr>
+    </a:lvl5pPr>
+    <a:lvl6pPr marL="2286000" algn="l" defTabSz="914400" rtl="0" eaLnBrk="1" latinLnBrk="0" hangingPunct="1">
+      <a:defRPr sz="1200" kern="1200">
+        <a:solidFill>
+          <a:schemeClr val="tx1"/>
+        </a:solidFill>
+        <a:latin typeface="+mn-lt"/>
+        <a:ea typeface="+mn-ea"/>
+        <a:cs typeface="+mn-cs"/>
+      </a:defRPr>
+    </a:lvl6pPr>
+    <a:lvl7pPr marL="2743200" algn="l" defTabSz="914400" rtl="0" eaLnBrk="1" latinLnBrk="0" hangingPunct="1">
+      <a:defRPr sz="1200" kern="1200">
+        <a:solidFill>
+          <a:schemeClr val="tx1"/>
+        </a:solidFill>
+        <a:latin typeface="+mn-lt"/>
+        <a:ea typeface="+mn-ea"/>
+        <a:cs typeface="+mn-cs"/>
+      </a:defRPr>
+    </a:lvl7pPr>
+    <a:lvl8pPr marL="3200400" algn="l" defTabSz="914400" rtl="0" eaLnBrk="1" latinLnBrk="0" hangingPunct="1">
+      <a:defRPr sz="1200" kern="1200">
+        <a:solidFill>
+          <a:schemeClr val="tx1"/>
+        </a:solidFill>
+        <a:latin typeface="+mn-lt"/>
+        <a:ea typeface="+mn-ea"/>
+        <a:cs typeface="+mn-cs"/>
+      </a:defRPr>
+    </a:lvl8pPr>
+    <a:lvl9pPr marL="3657600" algn="l" defTabSz="914400" rtl="0" eaLnBrk="1" latinLnBrk="0" hangingPunct="1">
+      <a:defRPr sz="1200" kern="1200">
+        <a:solidFill>
+          <a:schemeClr val="tx1"/>
+        </a:solidFill>
+        <a:latin typeface="+mn-lt"/>
+        <a:ea typeface="+mn-ea"/>
+        <a:cs typeface="+mn-cs"/>
+      </a:defRPr>
+    </a:lvl9pPr>
+  </p:notesStyle>
+</p:notesMaster>
+</file>
+
+<file path=ppt/notesSlides/notesSlide1.xml><?xml version="1.0" encoding="utf-8"?>
+<p:notes xmlns:a="http://schemas.openxmlformats.org/drawingml/2006/main" xmlns:r="http://schemas.openxmlformats.org/officeDocument/2006/relationships" xmlns:p="http://schemas.openxmlformats.org/presentationml/2006/main">
+  <p:cSld>
+    <p:spTree>
+      <p:nvGrpSpPr>
+        <p:cNvPr id="1" name=""/>
+        <p:cNvGrpSpPr/>
+        <p:nvPr/>
+      </p:nvGrpSpPr>
+      <p:grpSpPr>
+        <a:xfrm>
+          <a:off x="0" y="0"/>
+          <a:ext cx="0" cy="0"/>
+          <a:chOff x="0" y="0"/>
+          <a:chExt cx="0" cy="0"/>
+        </a:xfrm>
+      </p:grpSpPr>
+      <p:sp>
+        <p:nvSpPr>
+          <p:cNvPr id="2" name="Slide Image Placeholder 1"/>
+          <p:cNvSpPr>
+            <a:spLocks noGrp="1" noRot="1" noChangeAspect="1"/>
+          </p:cNvSpPr>
+          <p:nvPr>
+            <p:ph type="sldImg"/>
+          </p:nvPr>
+        </p:nvSpPr>
+        <p:spPr/>
+      </p:sp>
+      <p:sp>
+        <p:nvSpPr>
+          <p:cNvPr id="3" name="Notes Placeholder 2"/>
+          <p:cNvSpPr>
+            <a:spLocks noGrp="1"/>
+          </p:cNvSpPr>
+          <p:nvPr>
+            <p:ph type="body" idx="1"/>
+          </p:nvPr>
+        </p:nvSpPr>
+        <p:spPr/>
+        <p:txBody>
+          <a:bodyPr/>
+          <a:lstStyle/>
+          <a:p>
+            <a:endParaRPr lang="en-US" dirty="0"/>
+          </a:p>
+        </p:txBody>
+      </p:sp>
+      <p:sp>
+        <p:nvSpPr>
+          <p:cNvPr id="4" name="Slide Number Placeholder 3"/>
+          <p:cNvSpPr>
+            <a:spLocks noGrp="1"/>
+          </p:cNvSpPr>
+          <p:nvPr>
+            <p:ph type="sldNum" sz="quarter" idx="10"/>
+          </p:nvPr>
+        </p:nvSpPr>
+        <p:spPr/>
+        <p:txBody>
+          <a:bodyPr/>
+          <a:lstStyle/>
+          <a:p>
+            <a:fld id="{1589FB7F-2FFF-4A7C-ABAD-34C9B9965852}" type="slidenum">
+              <a:rPr lang="en-US" smtClean="0"/>
+              <a:t>8</a:t>
+            </a:fld>
+            <a:endParaRPr lang="en-US"/>
+          </a:p>
+        </p:txBody>
+      </p:sp>
+    </p:spTree>
+    <p:extLst>
+      <p:ext uri="{BB962C8B-B14F-4D97-AF65-F5344CB8AC3E}">
+        <p14:creationId xmlns:p14="http://schemas.microsoft.com/office/powerpoint/2010/main" val="1287370445"/>
+      </p:ext>
+    </p:extLst>
+  </p:cSld>
+  <p:clrMapOvr>
+    <a:masterClrMapping/>
+  </p:clrMapOvr>
+</p:notes>
 </file>
 
 <file path=ppt/slideLayouts/slideLayout1.xml><?xml version="1.0" encoding="utf-8"?>
@@ -299,8 +755,7 @@
           <a:p>
             <a:fld id="{D6BC7824-FA67-4317-975F-654BAD87F3E9}" type="datetimeFigureOut">
               <a:rPr lang="pl-PL" smtClean="0"/>
-              <a:pPr/>
-              <a:t>2017-01-21</a:t>
+              <a:t>2017-01-22</a:t>
             </a:fld>
             <a:endParaRPr lang="pl-PL"/>
           </a:p>
@@ -342,7 +797,6 @@
           <a:p>
             <a:fld id="{EF66125F-3545-43ED-8572-FC90C4BA1420}" type="slidenum">
               <a:rPr lang="pl-PL" smtClean="0"/>
-              <a:pPr/>
               <a:t>‹#›</a:t>
             </a:fld>
             <a:endParaRPr lang="pl-PL"/>
@@ -466,8 +920,7 @@
           <a:p>
             <a:fld id="{D6BC7824-FA67-4317-975F-654BAD87F3E9}" type="datetimeFigureOut">
               <a:rPr lang="pl-PL" smtClean="0"/>
-              <a:pPr/>
-              <a:t>2017-01-21</a:t>
+              <a:t>2017-01-22</a:t>
             </a:fld>
             <a:endParaRPr lang="pl-PL"/>
           </a:p>
@@ -509,7 +962,6 @@
           <a:p>
             <a:fld id="{EF66125F-3545-43ED-8572-FC90C4BA1420}" type="slidenum">
               <a:rPr lang="pl-PL" smtClean="0"/>
-              <a:pPr/>
               <a:t>‹#›</a:t>
             </a:fld>
             <a:endParaRPr lang="pl-PL"/>
@@ -643,8 +1095,7 @@
           <a:p>
             <a:fld id="{D6BC7824-FA67-4317-975F-654BAD87F3E9}" type="datetimeFigureOut">
               <a:rPr lang="pl-PL" smtClean="0"/>
-              <a:pPr/>
-              <a:t>2017-01-21</a:t>
+              <a:t>2017-01-22</a:t>
             </a:fld>
             <a:endParaRPr lang="pl-PL"/>
           </a:p>
@@ -686,7 +1137,6 @@
           <a:p>
             <a:fld id="{EF66125F-3545-43ED-8572-FC90C4BA1420}" type="slidenum">
               <a:rPr lang="pl-PL" smtClean="0"/>
-              <a:pPr/>
               <a:t>‹#›</a:t>
             </a:fld>
             <a:endParaRPr lang="pl-PL"/>
@@ -810,8 +1260,7 @@
           <a:p>
             <a:fld id="{D6BC7824-FA67-4317-975F-654BAD87F3E9}" type="datetimeFigureOut">
               <a:rPr lang="pl-PL" smtClean="0"/>
-              <a:pPr/>
-              <a:t>2017-01-21</a:t>
+              <a:t>2017-01-22</a:t>
             </a:fld>
             <a:endParaRPr lang="pl-PL"/>
           </a:p>
@@ -853,7 +1302,6 @@
           <a:p>
             <a:fld id="{EF66125F-3545-43ED-8572-FC90C4BA1420}" type="slidenum">
               <a:rPr lang="pl-PL" smtClean="0"/>
-              <a:pPr/>
               <a:t>‹#›</a:t>
             </a:fld>
             <a:endParaRPr lang="pl-PL"/>
@@ -1053,8 +1501,7 @@
           <a:p>
             <a:fld id="{D6BC7824-FA67-4317-975F-654BAD87F3E9}" type="datetimeFigureOut">
               <a:rPr lang="pl-PL" smtClean="0"/>
-              <a:pPr/>
-              <a:t>2017-01-21</a:t>
+              <a:t>2017-01-22</a:t>
             </a:fld>
             <a:endParaRPr lang="pl-PL"/>
           </a:p>
@@ -1096,7 +1543,6 @@
           <a:p>
             <a:fld id="{EF66125F-3545-43ED-8572-FC90C4BA1420}" type="slidenum">
               <a:rPr lang="pl-PL" smtClean="0"/>
-              <a:pPr/>
               <a:t>‹#›</a:t>
             </a:fld>
             <a:endParaRPr lang="pl-PL"/>
@@ -1338,8 +1784,7 @@
           <a:p>
             <a:fld id="{D6BC7824-FA67-4317-975F-654BAD87F3E9}" type="datetimeFigureOut">
               <a:rPr lang="pl-PL" smtClean="0"/>
-              <a:pPr/>
-              <a:t>2017-01-21</a:t>
+              <a:t>2017-01-22</a:t>
             </a:fld>
             <a:endParaRPr lang="pl-PL"/>
           </a:p>
@@ -1381,7 +1826,6 @@
           <a:p>
             <a:fld id="{EF66125F-3545-43ED-8572-FC90C4BA1420}" type="slidenum">
               <a:rPr lang="pl-PL" smtClean="0"/>
-              <a:pPr/>
               <a:t>‹#›</a:t>
             </a:fld>
             <a:endParaRPr lang="pl-PL"/>
@@ -1757,8 +2201,7 @@
           <a:p>
             <a:fld id="{D6BC7824-FA67-4317-975F-654BAD87F3E9}" type="datetimeFigureOut">
               <a:rPr lang="pl-PL" smtClean="0"/>
-              <a:pPr/>
-              <a:t>2017-01-21</a:t>
+              <a:t>2017-01-22</a:t>
             </a:fld>
             <a:endParaRPr lang="pl-PL"/>
           </a:p>
@@ -1800,7 +2243,6 @@
           <a:p>
             <a:fld id="{EF66125F-3545-43ED-8572-FC90C4BA1420}" type="slidenum">
               <a:rPr lang="pl-PL" smtClean="0"/>
-              <a:pPr/>
               <a:t>‹#›</a:t>
             </a:fld>
             <a:endParaRPr lang="pl-PL"/>
@@ -1872,8 +2314,7 @@
           <a:p>
             <a:fld id="{D6BC7824-FA67-4317-975F-654BAD87F3E9}" type="datetimeFigureOut">
               <a:rPr lang="pl-PL" smtClean="0"/>
-              <a:pPr/>
-              <a:t>2017-01-21</a:t>
+              <a:t>2017-01-22</a:t>
             </a:fld>
             <a:endParaRPr lang="pl-PL"/>
           </a:p>
@@ -1915,7 +2356,6 @@
           <a:p>
             <a:fld id="{EF66125F-3545-43ED-8572-FC90C4BA1420}" type="slidenum">
               <a:rPr lang="pl-PL" smtClean="0"/>
-              <a:pPr/>
               <a:t>‹#›</a:t>
             </a:fld>
             <a:endParaRPr lang="pl-PL"/>
@@ -1964,8 +2404,7 @@
           <a:p>
             <a:fld id="{D6BC7824-FA67-4317-975F-654BAD87F3E9}" type="datetimeFigureOut">
               <a:rPr lang="pl-PL" smtClean="0"/>
-              <a:pPr/>
-              <a:t>2017-01-21</a:t>
+              <a:t>2017-01-22</a:t>
             </a:fld>
             <a:endParaRPr lang="pl-PL"/>
           </a:p>
@@ -2007,7 +2446,6 @@
           <a:p>
             <a:fld id="{EF66125F-3545-43ED-8572-FC90C4BA1420}" type="slidenum">
               <a:rPr lang="pl-PL" smtClean="0"/>
-              <a:pPr/>
               <a:t>‹#›</a:t>
             </a:fld>
             <a:endParaRPr lang="pl-PL"/>
@@ -2238,8 +2676,7 @@
           <a:p>
             <a:fld id="{D6BC7824-FA67-4317-975F-654BAD87F3E9}" type="datetimeFigureOut">
               <a:rPr lang="pl-PL" smtClean="0"/>
-              <a:pPr/>
-              <a:t>2017-01-21</a:t>
+              <a:t>2017-01-22</a:t>
             </a:fld>
             <a:endParaRPr lang="pl-PL"/>
           </a:p>
@@ -2281,7 +2718,6 @@
           <a:p>
             <a:fld id="{EF66125F-3545-43ED-8572-FC90C4BA1420}" type="slidenum">
               <a:rPr lang="pl-PL" smtClean="0"/>
-              <a:pPr/>
               <a:t>‹#›</a:t>
             </a:fld>
             <a:endParaRPr lang="pl-PL"/>
@@ -2488,8 +2924,7 @@
           <a:p>
             <a:fld id="{D6BC7824-FA67-4317-975F-654BAD87F3E9}" type="datetimeFigureOut">
               <a:rPr lang="pl-PL" smtClean="0"/>
-              <a:pPr/>
-              <a:t>2017-01-21</a:t>
+              <a:t>2017-01-22</a:t>
             </a:fld>
             <a:endParaRPr lang="pl-PL"/>
           </a:p>
@@ -2531,7 +2966,6 @@
           <a:p>
             <a:fld id="{EF66125F-3545-43ED-8572-FC90C4BA1420}" type="slidenum">
               <a:rPr lang="pl-PL" smtClean="0"/>
-              <a:pPr/>
               <a:t>‹#›</a:t>
             </a:fld>
             <a:endParaRPr lang="pl-PL"/>
@@ -2698,8 +3132,7 @@
           <a:p>
             <a:fld id="{D6BC7824-FA67-4317-975F-654BAD87F3E9}" type="datetimeFigureOut">
               <a:rPr lang="pl-PL" smtClean="0"/>
-              <a:pPr/>
-              <a:t>2017-01-21</a:t>
+              <a:t>2017-01-22</a:t>
             </a:fld>
             <a:endParaRPr lang="pl-PL"/>
           </a:p>
@@ -2777,7 +3210,6 @@
           <a:p>
             <a:fld id="{EF66125F-3545-43ED-8572-FC90C4BA1420}" type="slidenum">
               <a:rPr lang="pl-PL" smtClean="0"/>
-              <a:pPr/>
               <a:t>‹#›</a:t>
             </a:fld>
             <a:endParaRPr lang="pl-PL"/>
@@ -3056,6 +3488,20 @@
 <file path=ppt/slides/slide1.xml><?xml version="1.0" encoding="utf-8"?>
 <p:sld xmlns:a="http://schemas.openxmlformats.org/drawingml/2006/main" xmlns:r="http://schemas.openxmlformats.org/officeDocument/2006/relationships" xmlns:p="http://schemas.openxmlformats.org/presentationml/2006/main">
   <p:cSld>
+    <p:bg>
+      <p:bgPr>
+        <a:blipFill dpi="0" rotWithShape="1">
+          <a:blip r:embed="rId2">
+            <a:lum/>
+          </a:blip>
+          <a:srcRect/>
+          <a:stretch>
+            <a:fillRect t="-17000" b="-17000"/>
+          </a:stretch>
+        </a:blipFill>
+        <a:effectLst/>
+      </p:bgPr>
+    </p:bg>
     <p:spTree>
       <p:nvGrpSpPr>
         <p:cNvPr id="1" name=""/>
@@ -3088,10 +3534,10 @@
           <a:lstStyle/>
           <a:p>
             <a:r>
-              <a:rPr lang="pl-PL" sz="9600" dirty="0" err="1" smtClean="0">
+              <a:rPr lang="pl-PL" sz="9600" dirty="0" smtClean="0">
                 <a:latin typeface="Agency FB" pitchFamily="34" charset="0"/>
               </a:rPr>
-              <a:t>RandomGame</a:t>
+              <a:t>TheGame</a:t>
             </a:r>
             <a:endParaRPr lang="pl-PL" sz="9600" dirty="0">
               <a:latin typeface="Agency FB" pitchFamily="34" charset="0"/>
@@ -3126,12 +3572,33 @@
   <p:clrMapOvr>
     <a:masterClrMapping/>
   </p:clrMapOvr>
+  <p:timing>
+    <p:tnLst>
+      <p:par>
+        <p:cTn id="1" dur="indefinite" restart="never" nodeType="tmRoot"/>
+      </p:par>
+    </p:tnLst>
+  </p:timing>
 </p:sld>
 </file>
 
 <file path=ppt/slides/slide10.xml><?xml version="1.0" encoding="utf-8"?>
 <p:sld xmlns:a="http://schemas.openxmlformats.org/drawingml/2006/main" xmlns:r="http://schemas.openxmlformats.org/officeDocument/2006/relationships" xmlns:p="http://schemas.openxmlformats.org/presentationml/2006/main">
   <p:cSld>
+    <p:bg>
+      <p:bgPr>
+        <a:blipFill dpi="0" rotWithShape="1">
+          <a:blip r:embed="rId2">
+            <a:lum/>
+          </a:blip>
+          <a:srcRect/>
+          <a:stretch>
+            <a:fillRect t="-17000" b="-17000"/>
+          </a:stretch>
+        </a:blipFill>
+        <a:effectLst/>
+      </p:bgPr>
+    </p:bg>
     <p:spTree>
       <p:nvGrpSpPr>
         <p:cNvPr id="1" name=""/>
@@ -3158,73 +3625,96 @@
         </p:nvSpPr>
         <p:spPr/>
         <p:txBody>
-          <a:bodyPr/>
+          <a:bodyPr>
+            <a:normAutofit/>
+          </a:bodyPr>
           <a:lstStyle/>
           <a:p>
             <a:r>
               <a:rPr lang="pl-PL" dirty="0" smtClean="0"/>
-              <a:t>Co się </a:t>
-            </a:r>
+              <a:t>Mono</a:t>
+            </a:r>
+            <a:endParaRPr lang="pl-PL" dirty="0"/>
+          </a:p>
+        </p:txBody>
+      </p:sp>
+      <p:sp>
+        <p:nvSpPr>
+          <p:cNvPr id="3" name="Symbol zastępczy zawartości 2"/>
+          <p:cNvSpPr>
+            <a:spLocks noGrp="1"/>
+          </p:cNvSpPr>
+          <p:nvPr>
+            <p:ph idx="1"/>
+          </p:nvPr>
+        </p:nvSpPr>
+        <p:spPr/>
+        <p:txBody>
+          <a:bodyPr/>
+          <a:lstStyle/>
+          <a:p>
+            <a:pPr>
+              <a:buNone/>
+            </a:pPr>
+            <a:endParaRPr lang="pl-PL" dirty="0" smtClean="0"/>
+          </a:p>
+          <a:p>
             <a:r>
               <a:rPr lang="pl-PL" dirty="0" smtClean="0"/>
-              <a:t>jeszcze udało:</a:t>
-            </a:r>
-            <a:endParaRPr lang="pl-PL" dirty="0"/>
-          </a:p>
-        </p:txBody>
-      </p:sp>
-      <p:sp>
-        <p:nvSpPr>
-          <p:cNvPr id="3" name="Symbol zastępczy zawartości 2"/>
-          <p:cNvSpPr>
-            <a:spLocks noGrp="1"/>
-          </p:cNvSpPr>
-          <p:nvPr>
-            <p:ph idx="1"/>
-          </p:nvPr>
-        </p:nvSpPr>
-        <p:spPr/>
-        <p:txBody>
-          <a:bodyPr/>
-          <a:lstStyle/>
+              <a:t>Otwartoźródłowy odpowiednik .NET</a:t>
+            </a:r>
+          </a:p>
           <a:p>
             <a:r>
               <a:rPr lang="pl-PL" dirty="0" smtClean="0"/>
-              <a:t>Działająca aplikacja</a:t>
+              <a:t>Wsparcie dla m.in. Windows, Linux, OSX, iOS, Android, UWP etc.</a:t>
             </a:r>
           </a:p>
           <a:p>
             <a:r>
               <a:rPr lang="pl-PL" dirty="0" smtClean="0"/>
-              <a:t>Korzystamy z gotowych grafik</a:t>
-            </a:r>
-          </a:p>
-          <a:p>
-            <a:r>
-              <a:rPr lang="pl-PL" dirty="0" smtClean="0"/>
-              <a:t>Realizacja podstawowych założeń</a:t>
-            </a:r>
-          </a:p>
-          <a:p>
-            <a:r>
-              <a:rPr lang="pl-PL" dirty="0" smtClean="0"/>
-              <a:t>Integracja z platformami mobilnymi</a:t>
-            </a:r>
-            <a:endParaRPr lang="pl-PL" dirty="0"/>
+              <a:t>Niestety, wspiera C# tylko do wersji 4.0</a:t>
+            </a:r>
           </a:p>
         </p:txBody>
       </p:sp>
     </p:spTree>
+    <p:extLst>
+      <p:ext uri="{BB962C8B-B14F-4D97-AF65-F5344CB8AC3E}">
+        <p14:creationId xmlns:p14="http://schemas.microsoft.com/office/powerpoint/2010/main" val="2602039535"/>
+      </p:ext>
+    </p:extLst>
   </p:cSld>
   <p:clrMapOvr>
     <a:masterClrMapping/>
   </p:clrMapOvr>
+  <p:timing>
+    <p:tnLst>
+      <p:par>
+        <p:cTn id="1" dur="indefinite" restart="never" nodeType="tmRoot"/>
+      </p:par>
+    </p:tnLst>
+  </p:timing>
 </p:sld>
 </file>
 
 <file path=ppt/slides/slide11.xml><?xml version="1.0" encoding="utf-8"?>
 <p:sld xmlns:a="http://schemas.openxmlformats.org/drawingml/2006/main" xmlns:r="http://schemas.openxmlformats.org/officeDocument/2006/relationships" xmlns:p="http://schemas.openxmlformats.org/presentationml/2006/main">
   <p:cSld>
+    <p:bg>
+      <p:bgPr>
+        <a:blipFill dpi="0" rotWithShape="1">
+          <a:blip r:embed="rId2">
+            <a:lum/>
+          </a:blip>
+          <a:srcRect/>
+          <a:stretch>
+            <a:fillRect t="-17000" b="-17000"/>
+          </a:stretch>
+        </a:blipFill>
+        <a:effectLst/>
+      </p:bgPr>
+    </p:bg>
     <p:spTree>
       <p:nvGrpSpPr>
         <p:cNvPr id="1" name=""/>
@@ -3251,12 +3741,14 @@
         </p:nvSpPr>
         <p:spPr/>
         <p:txBody>
-          <a:bodyPr/>
+          <a:bodyPr>
+            <a:normAutofit/>
+          </a:bodyPr>
           <a:lstStyle/>
           <a:p>
             <a:r>
               <a:rPr lang="pl-PL" dirty="0" smtClean="0"/>
-              <a:t>Co się nie udało</a:t>
+              <a:t>Problemy</a:t>
             </a:r>
             <a:endParaRPr lang="pl-PL" dirty="0"/>
           </a:p>
@@ -3277,49 +3769,31 @@
           <a:bodyPr/>
           <a:lstStyle/>
           <a:p>
+            <a:endParaRPr lang="pl-PL" dirty="0" smtClean="0"/>
+          </a:p>
+          <a:p>
             <a:r>
               <a:rPr lang="pl-PL" dirty="0" smtClean="0"/>
-              <a:t>Brak </a:t>
-            </a:r>
+              <a:t>Mało czasu</a:t>
+            </a:r>
+          </a:p>
+          <a:p>
             <a:r>
               <a:rPr lang="pl-PL" dirty="0" smtClean="0"/>
-              <a:t>dostatecznych </a:t>
-            </a:r>
+              <a:t>Brak możliwości częstych spotkań</a:t>
+            </a:r>
+          </a:p>
+          <a:p>
             <a:r>
               <a:rPr lang="pl-PL" dirty="0" smtClean="0"/>
-              <a:t>testów </a:t>
+              <a:t>Spóźnienia</a:t>
             </a:r>
           </a:p>
           <a:p>
             <a:r>
               <a:rPr lang="pl-PL" dirty="0" smtClean="0"/>
-              <a:t>Brak zaimplementowanych wszystkich funkcjonalności</a:t>
-            </a:r>
-          </a:p>
-          <a:p>
-            <a:r>
-              <a:rPr lang="pl-PL" dirty="0" smtClean="0"/>
-              <a:t>Nie wszystkie założenia zostały zrealizowane</a:t>
-            </a:r>
-          </a:p>
-          <a:p>
-            <a:r>
-              <a:rPr lang="pl-PL" dirty="0" smtClean="0"/>
-              <a:t>Statyczne poziomy</a:t>
-            </a:r>
-          </a:p>
-          <a:p>
-            <a:r>
-              <a:rPr lang="pl-PL" dirty="0" smtClean="0"/>
-              <a:t>Autorska grafika</a:t>
-            </a:r>
-          </a:p>
-          <a:p>
-            <a:r>
-              <a:rPr lang="pl-PL" dirty="0" smtClean="0"/>
-              <a:t>Brak dokumentacji</a:t>
-            </a:r>
-            <a:endParaRPr lang="pl-PL" dirty="0"/>
+              <a:t>Brak doświadczenia w podobnych projektach</a:t>
+            </a:r>
           </a:p>
         </p:txBody>
       </p:sp>
@@ -3328,12 +3802,33 @@
   <p:clrMapOvr>
     <a:masterClrMapping/>
   </p:clrMapOvr>
+  <p:timing>
+    <p:tnLst>
+      <p:par>
+        <p:cTn id="1" dur="indefinite" restart="never" nodeType="tmRoot"/>
+      </p:par>
+    </p:tnLst>
+  </p:timing>
 </p:sld>
 </file>
 
 <file path=ppt/slides/slide12.xml><?xml version="1.0" encoding="utf-8"?>
 <p:sld xmlns:a="http://schemas.openxmlformats.org/drawingml/2006/main" xmlns:r="http://schemas.openxmlformats.org/officeDocument/2006/relationships" xmlns:p="http://schemas.openxmlformats.org/presentationml/2006/main">
   <p:cSld>
+    <p:bg>
+      <p:bgPr>
+        <a:blipFill dpi="0" rotWithShape="1">
+          <a:blip r:embed="rId2">
+            <a:lum/>
+          </a:blip>
+          <a:srcRect/>
+          <a:stretch>
+            <a:fillRect t="-17000" b="-17000"/>
+          </a:stretch>
+        </a:blipFill>
+        <a:effectLst/>
+      </p:bgPr>
+    </p:bg>
     <p:spTree>
       <p:nvGrpSpPr>
         <p:cNvPr id="1" name=""/>
@@ -3365,55 +3860,85 @@
           <a:p>
             <a:r>
               <a:rPr lang="pl-PL" dirty="0" smtClean="0"/>
-              <a:t>U nas działa </a:t>
-            </a:r>
-            <a:r>
-              <a:rPr lang="pl-PL" dirty="0" smtClean="0">
-                <a:sym typeface="Wingdings" pitchFamily="2" charset="2"/>
-              </a:rPr>
-              <a:t></a:t>
+              <a:t>Co się udało</a:t>
             </a:r>
             <a:endParaRPr lang="pl-PL" dirty="0"/>
           </a:p>
         </p:txBody>
       </p:sp>
-      <p:pic>
-        <p:nvPicPr>
-          <p:cNvPr id="3074" name="Picture 2" descr="C:\Users\piotr\Desktop\SuccessKid.jpg"/>
-          <p:cNvPicPr>
-            <a:picLocks noChangeAspect="1" noChangeArrowheads="1"/>
-          </p:cNvPicPr>
-          <p:nvPr/>
-        </p:nvPicPr>
-        <p:blipFill>
-          <a:blip r:embed="rId2"/>
-          <a:srcRect/>
-          <a:stretch>
-            <a:fillRect/>
-          </a:stretch>
-        </p:blipFill>
-        <p:spPr bwMode="auto">
-          <a:xfrm>
-            <a:off x="2285984" y="2214554"/>
-            <a:ext cx="4038600" cy="2692400"/>
-          </a:xfrm>
-          <a:prstGeom prst="rect">
-            <a:avLst/>
-          </a:prstGeom>
-          <a:noFill/>
-        </p:spPr>
-      </p:pic>
+      <p:sp>
+        <p:nvSpPr>
+          <p:cNvPr id="3" name="Symbol zastępczy zawartości 2"/>
+          <p:cNvSpPr>
+            <a:spLocks noGrp="1"/>
+          </p:cNvSpPr>
+          <p:nvPr>
+            <p:ph idx="1"/>
+          </p:nvPr>
+        </p:nvSpPr>
+        <p:spPr/>
+        <p:txBody>
+          <a:bodyPr/>
+          <a:lstStyle/>
+          <a:p>
+            <a:r>
+              <a:rPr lang="pl-PL" dirty="0" smtClean="0"/>
+              <a:t>Działająca aplikacja</a:t>
+            </a:r>
+          </a:p>
+          <a:p>
+            <a:r>
+              <a:rPr lang="pl-PL" dirty="0" smtClean="0"/>
+              <a:t>Korzystamy z gotowych grafik</a:t>
+            </a:r>
+          </a:p>
+          <a:p>
+            <a:r>
+              <a:rPr lang="pl-PL" dirty="0" smtClean="0"/>
+              <a:t>Realizacja podstawowych założeń</a:t>
+            </a:r>
+          </a:p>
+          <a:p>
+            <a:r>
+              <a:rPr lang="pl-PL" dirty="0" smtClean="0"/>
+              <a:t>Integracja z platformami mobilnymi</a:t>
+            </a:r>
+            <a:endParaRPr lang="pl-PL" dirty="0"/>
+          </a:p>
+        </p:txBody>
+      </p:sp>
     </p:spTree>
   </p:cSld>
   <p:clrMapOvr>
     <a:masterClrMapping/>
   </p:clrMapOvr>
+  <p:timing>
+    <p:tnLst>
+      <p:par>
+        <p:cTn id="1" dur="indefinite" restart="never" nodeType="tmRoot"/>
+      </p:par>
+    </p:tnLst>
+  </p:timing>
 </p:sld>
 </file>
 
-<file path=ppt/slides/slide2.xml><?xml version="1.0" encoding="utf-8"?>
+<file path=ppt/slides/slide13.xml><?xml version="1.0" encoding="utf-8"?>
 <p:sld xmlns:a="http://schemas.openxmlformats.org/drawingml/2006/main" xmlns:r="http://schemas.openxmlformats.org/officeDocument/2006/relationships" xmlns:p="http://schemas.openxmlformats.org/presentationml/2006/main">
   <p:cSld>
+    <p:bg>
+      <p:bgPr>
+        <a:blipFill dpi="0" rotWithShape="1">
+          <a:blip r:embed="rId2">
+            <a:lum/>
+          </a:blip>
+          <a:srcRect/>
+          <a:stretch>
+            <a:fillRect t="-17000" b="-17000"/>
+          </a:stretch>
+        </a:blipFill>
+        <a:effectLst/>
+      </p:bgPr>
+    </p:bg>
     <p:spTree>
       <p:nvGrpSpPr>
         <p:cNvPr id="1" name=""/>
@@ -3445,7 +3970,119 @@
           <a:p>
             <a:r>
               <a:rPr lang="pl-PL" dirty="0" smtClean="0"/>
-              <a:t>ZESPÓŁ</a:t>
+              <a:t>Nie wszystko się udało</a:t>
+            </a:r>
+            <a:endParaRPr lang="pl-PL" dirty="0"/>
+          </a:p>
+        </p:txBody>
+      </p:sp>
+      <p:sp>
+        <p:nvSpPr>
+          <p:cNvPr id="3" name="Symbol zastępczy zawartości 2"/>
+          <p:cNvSpPr>
+            <a:spLocks noGrp="1"/>
+          </p:cNvSpPr>
+          <p:nvPr>
+            <p:ph idx="1"/>
+          </p:nvPr>
+        </p:nvSpPr>
+        <p:spPr/>
+        <p:txBody>
+          <a:bodyPr/>
+          <a:lstStyle/>
+          <a:p>
+            <a:r>
+              <a:rPr lang="pl-PL" dirty="0" smtClean="0"/>
+              <a:t>Brak dostatecznych testów </a:t>
+            </a:r>
+          </a:p>
+          <a:p>
+            <a:r>
+              <a:rPr lang="pl-PL" dirty="0" smtClean="0"/>
+              <a:t>Brak zaimplementowanych wszystkich funkcjonalności</a:t>
+            </a:r>
+          </a:p>
+          <a:p>
+            <a:r>
+              <a:rPr lang="pl-PL" dirty="0" smtClean="0"/>
+              <a:t>Nie wszystkie założenia zostały zrealizowane</a:t>
+            </a:r>
+          </a:p>
+          <a:p>
+            <a:endParaRPr lang="pl-PL" dirty="0"/>
+          </a:p>
+        </p:txBody>
+      </p:sp>
+    </p:spTree>
+  </p:cSld>
+  <p:clrMapOvr>
+    <a:masterClrMapping/>
+  </p:clrMapOvr>
+  <p:timing>
+    <p:tnLst>
+      <p:par>
+        <p:cTn id="1" dur="indefinite" restart="never" nodeType="tmRoot"/>
+      </p:par>
+    </p:tnLst>
+  </p:timing>
+</p:sld>
+</file>
+
+<file path=ppt/slides/slide14.xml><?xml version="1.0" encoding="utf-8"?>
+<p:sld xmlns:a="http://schemas.openxmlformats.org/drawingml/2006/main" xmlns:r="http://schemas.openxmlformats.org/officeDocument/2006/relationships" xmlns:p="http://schemas.openxmlformats.org/presentationml/2006/main">
+  <p:cSld>
+    <p:bg>
+      <p:bgPr>
+        <a:blipFill dpi="0" rotWithShape="1">
+          <a:blip r:embed="rId2">
+            <a:lum/>
+          </a:blip>
+          <a:srcRect/>
+          <a:stretch>
+            <a:fillRect t="-17000" b="-17000"/>
+          </a:stretch>
+        </a:blipFill>
+        <a:effectLst/>
+      </p:bgPr>
+    </p:bg>
+    <p:spTree>
+      <p:nvGrpSpPr>
+        <p:cNvPr id="1" name=""/>
+        <p:cNvGrpSpPr/>
+        <p:nvPr/>
+      </p:nvGrpSpPr>
+      <p:grpSpPr>
+        <a:xfrm>
+          <a:off x="0" y="0"/>
+          <a:ext cx="0" cy="0"/>
+          <a:chOff x="0" y="0"/>
+          <a:chExt cx="0" cy="0"/>
+        </a:xfrm>
+      </p:grpSpPr>
+      <p:sp>
+        <p:nvSpPr>
+          <p:cNvPr id="2" name="Tytuł 1"/>
+          <p:cNvSpPr>
+            <a:spLocks noGrp="1"/>
+          </p:cNvSpPr>
+          <p:nvPr>
+            <p:ph type="title"/>
+          </p:nvPr>
+        </p:nvSpPr>
+        <p:spPr/>
+        <p:txBody>
+          <a:bodyPr/>
+          <a:lstStyle/>
+          <a:p>
+            <a:r>
+              <a:rPr lang="pl-PL" dirty="0" smtClean="0"/>
+              <a:t>U nas działa </a:t>
+            </a:r>
+            <a:r>
+              <a:rPr lang="pl-PL" dirty="0" smtClean="0">
+                <a:sym typeface="Wingdings" pitchFamily="2" charset="2"/>
+              </a:rPr>
+              <a:t></a:t>
             </a:r>
             <a:endParaRPr lang="pl-PL" dirty="0"/>
           </a:p>
@@ -3453,14 +4090,202 @@
       </p:sp>
       <p:pic>
         <p:nvPicPr>
-          <p:cNvPr id="1026" name="Picture 2" descr="C:\Users\piotr\Desktop\images.jpg"/>
+          <p:cNvPr id="3" name="Picture 2"/>
+          <p:cNvPicPr>
+            <a:picLocks noChangeAspect="1"/>
+          </p:cNvPicPr>
+          <p:nvPr/>
+        </p:nvPicPr>
+        <p:blipFill>
+          <a:blip r:embed="rId3">
+            <a:extLst>
+              <a:ext uri="{28A0092B-C50C-407E-A947-70E740481C1C}">
+                <a14:useLocalDpi xmlns:a14="http://schemas.microsoft.com/office/drawing/2010/main" val="0"/>
+              </a:ext>
+            </a:extLst>
+          </a:blip>
+          <a:stretch>
+            <a:fillRect/>
+          </a:stretch>
+        </p:blipFill>
+        <p:spPr>
+          <a:xfrm>
+            <a:off x="2411760" y="1400870"/>
+            <a:ext cx="3520232" cy="4861991"/>
+          </a:xfrm>
+          <a:prstGeom prst="rect">
+            <a:avLst/>
+          </a:prstGeom>
+          <a:ln>
+            <a:noFill/>
+          </a:ln>
+          <a:effectLst>
+            <a:outerShdw blurRad="292100" dist="139700" dir="2700000" algn="tl" rotWithShape="0">
+              <a:srgbClr val="333333">
+                <a:alpha val="65000"/>
+              </a:srgbClr>
+            </a:outerShdw>
+          </a:effectLst>
+        </p:spPr>
+      </p:pic>
+    </p:spTree>
+  </p:cSld>
+  <p:clrMapOvr>
+    <a:masterClrMapping/>
+  </p:clrMapOvr>
+  <p:timing>
+    <p:tnLst>
+      <p:par>
+        <p:cTn id="1" dur="indefinite" restart="never" nodeType="tmRoot"/>
+      </p:par>
+    </p:tnLst>
+  </p:timing>
+</p:sld>
+</file>
+
+<file path=ppt/slides/slide15.xml><?xml version="1.0" encoding="utf-8"?>
+<p:sld xmlns:a="http://schemas.openxmlformats.org/drawingml/2006/main" xmlns:r="http://schemas.openxmlformats.org/officeDocument/2006/relationships" xmlns:p="http://schemas.openxmlformats.org/presentationml/2006/main">
+  <p:cSld>
+    <p:bg>
+      <p:bgPr>
+        <a:blipFill dpi="0" rotWithShape="1">
+          <a:blip r:embed="rId2">
+            <a:lum/>
+          </a:blip>
+          <a:srcRect/>
+          <a:stretch>
+            <a:fillRect t="-17000" b="-17000"/>
+          </a:stretch>
+        </a:blipFill>
+        <a:effectLst/>
+      </p:bgPr>
+    </p:bg>
+    <p:spTree>
+      <p:nvGrpSpPr>
+        <p:cNvPr id="1" name=""/>
+        <p:cNvGrpSpPr/>
+        <p:nvPr/>
+      </p:nvGrpSpPr>
+      <p:grpSpPr>
+        <a:xfrm>
+          <a:off x="0" y="0"/>
+          <a:ext cx="0" cy="0"/>
+          <a:chOff x="0" y="0"/>
+          <a:chExt cx="0" cy="0"/>
+        </a:xfrm>
+      </p:grpSpPr>
+      <p:sp>
+        <p:nvSpPr>
+          <p:cNvPr id="2" name="Tytuł 1"/>
+          <p:cNvSpPr>
+            <a:spLocks noGrp="1"/>
+          </p:cNvSpPr>
+          <p:nvPr>
+            <p:ph type="title"/>
+          </p:nvPr>
+        </p:nvSpPr>
+        <p:spPr>
+          <a:xfrm>
+            <a:off x="467544" y="2708920"/>
+            <a:ext cx="8229600" cy="1143000"/>
+          </a:xfrm>
+        </p:spPr>
+        <p:txBody>
+          <a:bodyPr/>
+          <a:lstStyle/>
+          <a:p>
+            <a:r>
+              <a:rPr lang="pl-PL" dirty="0" smtClean="0"/>
+              <a:t>Live demo</a:t>
+            </a:r>
+            <a:endParaRPr lang="pl-PL" dirty="0"/>
+          </a:p>
+        </p:txBody>
+      </p:sp>
+    </p:spTree>
+    <p:extLst>
+      <p:ext uri="{BB962C8B-B14F-4D97-AF65-F5344CB8AC3E}">
+        <p14:creationId xmlns:p14="http://schemas.microsoft.com/office/powerpoint/2010/main" val="665056118"/>
+      </p:ext>
+    </p:extLst>
+  </p:cSld>
+  <p:clrMapOvr>
+    <a:masterClrMapping/>
+  </p:clrMapOvr>
+  <p:timing>
+    <p:tnLst>
+      <p:par>
+        <p:cTn id="1" dur="indefinite" restart="never" nodeType="tmRoot"/>
+      </p:par>
+    </p:tnLst>
+  </p:timing>
+</p:sld>
+</file>
+
+<file path=ppt/slides/slide2.xml><?xml version="1.0" encoding="utf-8"?>
+<p:sld xmlns:a="http://schemas.openxmlformats.org/drawingml/2006/main" xmlns:r="http://schemas.openxmlformats.org/officeDocument/2006/relationships" xmlns:p="http://schemas.openxmlformats.org/presentationml/2006/main">
+  <p:cSld>
+    <p:bg>
+      <p:bgPr>
+        <a:blipFill dpi="0" rotWithShape="1">
+          <a:blip r:embed="rId2">
+            <a:lum/>
+          </a:blip>
+          <a:srcRect/>
+          <a:stretch>
+            <a:fillRect t="-17000" b="-17000"/>
+          </a:stretch>
+        </a:blipFill>
+        <a:effectLst/>
+      </p:bgPr>
+    </p:bg>
+    <p:spTree>
+      <p:nvGrpSpPr>
+        <p:cNvPr id="1" name=""/>
+        <p:cNvGrpSpPr/>
+        <p:nvPr/>
+      </p:nvGrpSpPr>
+      <p:grpSpPr>
+        <a:xfrm>
+          <a:off x="0" y="0"/>
+          <a:ext cx="0" cy="0"/>
+          <a:chOff x="0" y="0"/>
+          <a:chExt cx="0" cy="0"/>
+        </a:xfrm>
+      </p:grpSpPr>
+      <p:sp>
+        <p:nvSpPr>
+          <p:cNvPr id="2" name="Tytuł 1"/>
+          <p:cNvSpPr>
+            <a:spLocks noGrp="1"/>
+          </p:cNvSpPr>
+          <p:nvPr>
+            <p:ph type="title"/>
+          </p:nvPr>
+        </p:nvSpPr>
+        <p:spPr/>
+        <p:txBody>
+          <a:bodyPr/>
+          <a:lstStyle/>
+          <a:p>
+            <a:r>
+              <a:rPr lang="pl-PL" dirty="0" smtClean="0"/>
+              <a:t>ZESPÓŁ</a:t>
+            </a:r>
+            <a:endParaRPr lang="pl-PL" dirty="0"/>
+          </a:p>
+        </p:txBody>
+      </p:sp>
+      <p:pic>
+        <p:nvPicPr>
+          <p:cNvPr id="8" name="Picture 2" descr="C:\Users\piotr\Desktop\images.jpg"/>
           <p:cNvPicPr>
             <a:picLocks noChangeAspect="1" noChangeArrowheads="1"/>
           </p:cNvPicPr>
           <p:nvPr/>
         </p:nvPicPr>
         <p:blipFill>
-          <a:blip r:embed="rId2"/>
+          <a:blip r:embed="rId3"/>
           <a:srcRect/>
           <a:stretch>
             <a:fillRect/>
@@ -3482,12 +4307,33 @@
   <p:clrMapOvr>
     <a:masterClrMapping/>
   </p:clrMapOvr>
+  <p:timing>
+    <p:tnLst>
+      <p:par>
+        <p:cTn id="1" dur="indefinite" restart="never" nodeType="tmRoot"/>
+      </p:par>
+    </p:tnLst>
+  </p:timing>
 </p:sld>
 </file>
 
 <file path=ppt/slides/slide3.xml><?xml version="1.0" encoding="utf-8"?>
 <p:sld xmlns:a="http://schemas.openxmlformats.org/drawingml/2006/main" xmlns:r="http://schemas.openxmlformats.org/officeDocument/2006/relationships" xmlns:p="http://schemas.openxmlformats.org/presentationml/2006/main">
   <p:cSld>
+    <p:bg>
+      <p:bgPr>
+        <a:blipFill dpi="0" rotWithShape="1">
+          <a:blip r:embed="rId2">
+            <a:lum/>
+          </a:blip>
+          <a:srcRect/>
+          <a:stretch>
+            <a:fillRect t="-17000" b="-17000"/>
+          </a:stretch>
+        </a:blipFill>
+        <a:effectLst/>
+      </p:bgPr>
+    </p:bg>
     <p:spTree>
       <p:nvGrpSpPr>
         <p:cNvPr id="1" name=""/>
@@ -3504,30 +4350,7 @@
       </p:grpSpPr>
       <p:sp>
         <p:nvSpPr>
-          <p:cNvPr id="2" name="Tytuł 1"/>
-          <p:cNvSpPr>
-            <a:spLocks noGrp="1"/>
-          </p:cNvSpPr>
-          <p:nvPr>
-            <p:ph type="title"/>
-          </p:nvPr>
-        </p:nvSpPr>
-        <p:spPr/>
-        <p:txBody>
-          <a:bodyPr/>
-          <a:lstStyle/>
-          <a:p>
-            <a:r>
-              <a:rPr lang="pl-PL" dirty="0" smtClean="0"/>
-              <a:t>Wyzwanie…</a:t>
-            </a:r>
-            <a:endParaRPr lang="pl-PL" dirty="0"/>
-          </a:p>
-        </p:txBody>
-      </p:sp>
-      <p:sp>
-        <p:nvSpPr>
-          <p:cNvPr id="3" name="Symbol zastępczy zawartości 2"/>
+          <p:cNvPr id="7" name="Symbol zastępczy zawartości 2"/>
           <p:cNvSpPr>
             <a:spLocks noGrp="1"/>
           </p:cNvSpPr>
@@ -3537,67 +4360,102 @@
         </p:nvSpPr>
         <p:spPr>
           <a:xfrm>
-            <a:off x="428596" y="1357298"/>
+            <a:off x="457200" y="1600200"/>
             <a:ext cx="8229600" cy="4525963"/>
           </a:xfrm>
         </p:spPr>
         <p:txBody>
-          <a:bodyPr/>
+          <a:bodyPr>
+            <a:normAutofit/>
+          </a:bodyPr>
           <a:lstStyle/>
           <a:p>
             <a:r>
               <a:rPr lang="pl-PL" dirty="0" smtClean="0"/>
-              <a:t>Stworzenie ciekawej </a:t>
-            </a:r>
-            <a:r>
-              <a:rPr lang="pl-PL" dirty="0" err="1" smtClean="0"/>
-              <a:t>platformówki</a:t>
-            </a:r>
+              <a:t>Opiekun:</a:t>
+            </a:r>
+          </a:p>
+          <a:p>
+            <a:pPr lvl="1"/>
             <a:r>
               <a:rPr lang="pl-PL" dirty="0" smtClean="0"/>
-              <a:t> w 4 osoby w 2 miesiące</a:t>
-            </a:r>
-            <a:endParaRPr lang="pl-PL" dirty="0"/>
-          </a:p>
-        </p:txBody>
-      </p:sp>
-      <p:pic>
-        <p:nvPicPr>
-          <p:cNvPr id="2050" name="Picture 2" descr="C:\Users\piotr\Desktop\indeks.png"/>
-          <p:cNvPicPr>
-            <a:picLocks noChangeAspect="1" noChangeArrowheads="1"/>
-          </p:cNvPicPr>
-          <p:nvPr/>
-        </p:nvPicPr>
-        <p:blipFill>
-          <a:blip r:embed="rId2"/>
-          <a:srcRect/>
-          <a:stretch>
-            <a:fillRect/>
-          </a:stretch>
-        </p:blipFill>
-        <p:spPr bwMode="auto">
-          <a:xfrm>
-            <a:off x="1000100" y="2571744"/>
-            <a:ext cx="6929486" cy="3966372"/>
-          </a:xfrm>
-          <a:prstGeom prst="rect">
-            <a:avLst/>
-          </a:prstGeom>
-          <a:noFill/>
-        </p:spPr>
-      </p:pic>
+              <a:t>Maciej Kraszewski</a:t>
+            </a:r>
+          </a:p>
+          <a:p>
+            <a:r>
+              <a:rPr lang="pl-PL" dirty="0" smtClean="0"/>
+              <a:t>Zespół:</a:t>
+            </a:r>
+          </a:p>
+          <a:p>
+            <a:pPr lvl="1"/>
+            <a:r>
+              <a:rPr lang="pl-PL" sz="2000" dirty="0" smtClean="0"/>
+              <a:t>Bartosz Kuźmiński (testowanie, adaptacja na platformy mobilne)</a:t>
+            </a:r>
+          </a:p>
+          <a:p>
+            <a:pPr lvl="1"/>
+            <a:r>
+              <a:rPr lang="pl-PL" sz="2000" dirty="0" smtClean="0"/>
+              <a:t>Piotr Słupczewski (Opracowanie poziomów, komunikacja)</a:t>
+            </a:r>
+          </a:p>
+          <a:p>
+            <a:pPr lvl="1"/>
+            <a:r>
+              <a:rPr lang="pl-PL" sz="2000" dirty="0" smtClean="0"/>
+              <a:t>Robert Zmuda Trzebiatowski (grafika, UI)</a:t>
+            </a:r>
+          </a:p>
+          <a:p>
+            <a:pPr lvl="1"/>
+            <a:r>
+              <a:rPr lang="pl-PL" sz="2000" dirty="0" smtClean="0"/>
+              <a:t>Jan Nielek (stack overflow copypaster)  </a:t>
+            </a:r>
+            <a:endParaRPr lang="pl-PL" sz="2000" dirty="0"/>
+          </a:p>
+        </p:txBody>
+      </p:sp>
     </p:spTree>
+    <p:extLst>
+      <p:ext uri="{BB962C8B-B14F-4D97-AF65-F5344CB8AC3E}">
+        <p14:creationId xmlns:p14="http://schemas.microsoft.com/office/powerpoint/2010/main" val="1488895358"/>
+      </p:ext>
+    </p:extLst>
   </p:cSld>
   <p:clrMapOvr>
     <a:masterClrMapping/>
   </p:clrMapOvr>
+  <p:timing>
+    <p:tnLst>
+      <p:par>
+        <p:cTn id="1" dur="indefinite" restart="never" nodeType="tmRoot"/>
+      </p:par>
+    </p:tnLst>
+  </p:timing>
 </p:sld>
 </file>
 
 <file path=ppt/slides/slide4.xml><?xml version="1.0" encoding="utf-8"?>
 <p:sld xmlns:a="http://schemas.openxmlformats.org/drawingml/2006/main" xmlns:r="http://schemas.openxmlformats.org/officeDocument/2006/relationships" xmlns:p="http://schemas.openxmlformats.org/presentationml/2006/main">
   <p:cSld>
+    <p:bg>
+      <p:bgPr>
+        <a:blipFill dpi="0" rotWithShape="1">
+          <a:blip r:embed="rId2">
+            <a:lum/>
+          </a:blip>
+          <a:srcRect/>
+          <a:stretch>
+            <a:fillRect t="-17000" b="-17000"/>
+          </a:stretch>
+        </a:blipFill>
+        <a:effectLst/>
+      </p:bgPr>
+    </p:bg>
     <p:spTree>
       <p:nvGrpSpPr>
         <p:cNvPr id="1" name=""/>
@@ -3629,7 +4487,7 @@
           <a:p>
             <a:r>
               <a:rPr lang="pl-PL" dirty="0" smtClean="0"/>
-              <a:t>Wyzwanie c.d.</a:t>
+              <a:t>Wyzwanie…</a:t>
             </a:r>
             <a:endParaRPr lang="pl-PL" dirty="0"/>
           </a:p>
@@ -3645,85 +4503,88 @@
             <p:ph idx="1"/>
           </p:nvPr>
         </p:nvSpPr>
-        <p:spPr/>
-        <p:txBody>
-          <a:bodyPr>
-            <a:normAutofit lnSpcReduction="10000"/>
-          </a:bodyPr>
+        <p:spPr>
+          <a:xfrm>
+            <a:off x="442392" y="1196752"/>
+            <a:ext cx="8229600" cy="4525963"/>
+          </a:xfrm>
+        </p:spPr>
+        <p:txBody>
+          <a:bodyPr/>
           <a:lstStyle/>
           <a:p>
             <a:r>
               <a:rPr lang="pl-PL" dirty="0" smtClean="0"/>
-              <a:t>Dobra komunikacja w zespole</a:t>
-            </a:r>
-          </a:p>
-          <a:p>
+              <a:t>Stworzenie ciekawej </a:t>
+            </a:r>
+            <a:r>
+              <a:rPr lang="pl-PL" dirty="0" err="1" smtClean="0"/>
+              <a:t>platformówki</a:t>
+            </a:r>
             <a:r>
               <a:rPr lang="pl-PL" dirty="0" smtClean="0"/>
-              <a:t>Implementacja silnika gry</a:t>
-            </a:r>
-          </a:p>
-          <a:p>
-            <a:r>
-              <a:rPr lang="pl-PL" dirty="0" smtClean="0"/>
-              <a:t>Grafika</a:t>
-            </a:r>
-          </a:p>
-          <a:p>
-            <a:r>
-              <a:rPr lang="pl-PL" dirty="0" smtClean="0"/>
-              <a:t>Design poziomów</a:t>
-            </a:r>
-          </a:p>
-          <a:p>
-            <a:r>
-              <a:rPr lang="pl-PL" dirty="0" smtClean="0"/>
-              <a:t>Proceduralne generowanie terenu</a:t>
+              <a:t> w 4 osoby w 2 miesiące</a:t>
             </a:r>
             <a:endParaRPr lang="pl-PL" dirty="0"/>
           </a:p>
-          <a:p>
-            <a:r>
-              <a:rPr lang="pl-PL" dirty="0" smtClean="0"/>
-              <a:t>Testowanie</a:t>
-            </a:r>
-          </a:p>
-          <a:p>
-            <a:r>
-              <a:rPr lang="pl-PL" dirty="0"/>
-              <a:t>P</a:t>
-            </a:r>
-            <a:r>
-              <a:rPr lang="pl-PL" dirty="0" smtClean="0"/>
-              <a:t>rzygotowanie pod platformy mobilne</a:t>
-            </a:r>
-          </a:p>
-          <a:p>
-            <a:r>
-              <a:rPr lang="pl-PL" dirty="0"/>
-              <a:t>D</a:t>
-            </a:r>
-            <a:r>
-              <a:rPr lang="pl-PL" dirty="0" smtClean="0"/>
-              <a:t>okumentacja</a:t>
-            </a:r>
-          </a:p>
-          <a:p>
-            <a:endParaRPr lang="pl-PL" dirty="0"/>
-          </a:p>
-        </p:txBody>
-      </p:sp>
+        </p:txBody>
+      </p:sp>
+      <p:pic>
+        <p:nvPicPr>
+          <p:cNvPr id="4" name="Picture 3"/>
+          <p:cNvPicPr>
+            <a:picLocks noChangeAspect="1"/>
+          </p:cNvPicPr>
+          <p:nvPr/>
+        </p:nvPicPr>
+        <p:blipFill>
+          <a:blip r:embed="rId3"/>
+          <a:stretch>
+            <a:fillRect/>
+          </a:stretch>
+        </p:blipFill>
+        <p:spPr>
+          <a:xfrm>
+            <a:off x="762000" y="2204864"/>
+            <a:ext cx="6906344" cy="4286250"/>
+          </a:xfrm>
+          <a:prstGeom prst="rect">
+            <a:avLst/>
+          </a:prstGeom>
+        </p:spPr>
+      </p:pic>
     </p:spTree>
   </p:cSld>
   <p:clrMapOvr>
     <a:masterClrMapping/>
   </p:clrMapOvr>
+  <p:timing>
+    <p:tnLst>
+      <p:par>
+        <p:cTn id="1" dur="indefinite" restart="never" nodeType="tmRoot"/>
+      </p:par>
+    </p:tnLst>
+  </p:timing>
 </p:sld>
 </file>
 
 <file path=ppt/slides/slide5.xml><?xml version="1.0" encoding="utf-8"?>
 <p:sld xmlns:a="http://schemas.openxmlformats.org/drawingml/2006/main" xmlns:r="http://schemas.openxmlformats.org/officeDocument/2006/relationships" xmlns:p="http://schemas.openxmlformats.org/presentationml/2006/main">
   <p:cSld>
+    <p:bg>
+      <p:bgPr>
+        <a:blipFill dpi="0" rotWithShape="1">
+          <a:blip r:embed="rId2">
+            <a:lum/>
+          </a:blip>
+          <a:srcRect/>
+          <a:stretch>
+            <a:fillRect t="-17000" b="-17000"/>
+          </a:stretch>
+        </a:blipFill>
+        <a:effectLst/>
+      </p:bgPr>
+    </p:bg>
     <p:spTree>
       <p:nvGrpSpPr>
         <p:cNvPr id="1" name=""/>
@@ -3754,6 +4615,158 @@
           <a:lstStyle/>
           <a:p>
             <a:r>
+              <a:rPr lang="pl-PL" dirty="0" smtClean="0"/>
+              <a:t>Wyzwanie c.d.</a:t>
+            </a:r>
+            <a:endParaRPr lang="pl-PL" dirty="0"/>
+          </a:p>
+        </p:txBody>
+      </p:sp>
+      <p:sp>
+        <p:nvSpPr>
+          <p:cNvPr id="3" name="Symbol zastępczy zawartości 2"/>
+          <p:cNvSpPr>
+            <a:spLocks noGrp="1"/>
+          </p:cNvSpPr>
+          <p:nvPr>
+            <p:ph idx="1"/>
+          </p:nvPr>
+        </p:nvSpPr>
+        <p:spPr/>
+        <p:txBody>
+          <a:bodyPr>
+            <a:normAutofit lnSpcReduction="10000"/>
+          </a:bodyPr>
+          <a:lstStyle/>
+          <a:p>
+            <a:r>
+              <a:rPr lang="pl-PL" dirty="0" smtClean="0"/>
+              <a:t>Dobra komunikacja </a:t>
+            </a:r>
+            <a:r>
+              <a:rPr lang="pl-PL" smtClean="0"/>
+              <a:t>w zespole (slack, github)</a:t>
+            </a:r>
+            <a:endParaRPr lang="pl-PL" dirty="0" smtClean="0"/>
+          </a:p>
+          <a:p>
+            <a:r>
+              <a:rPr lang="pl-PL" dirty="0" smtClean="0"/>
+              <a:t>Implementacja silnika gry</a:t>
+            </a:r>
+          </a:p>
+          <a:p>
+            <a:r>
+              <a:rPr lang="pl-PL" dirty="0" smtClean="0"/>
+              <a:t>Grafika</a:t>
+            </a:r>
+          </a:p>
+          <a:p>
+            <a:r>
+              <a:rPr lang="pl-PL" dirty="0" smtClean="0"/>
+              <a:t>Design poziomów</a:t>
+            </a:r>
+          </a:p>
+          <a:p>
+            <a:r>
+              <a:rPr lang="pl-PL" dirty="0" smtClean="0"/>
+              <a:t>Proceduralne generowanie terenu</a:t>
+            </a:r>
+            <a:endParaRPr lang="pl-PL" dirty="0"/>
+          </a:p>
+          <a:p>
+            <a:r>
+              <a:rPr lang="pl-PL" dirty="0" smtClean="0"/>
+              <a:t>Testowanie</a:t>
+            </a:r>
+          </a:p>
+          <a:p>
+            <a:r>
+              <a:rPr lang="pl-PL" dirty="0"/>
+              <a:t>P</a:t>
+            </a:r>
+            <a:r>
+              <a:rPr lang="pl-PL" dirty="0" smtClean="0"/>
+              <a:t>rzygotowanie pod platformy mobilne</a:t>
+            </a:r>
+          </a:p>
+          <a:p>
+            <a:r>
+              <a:rPr lang="pl-PL" dirty="0"/>
+              <a:t>D</a:t>
+            </a:r>
+            <a:r>
+              <a:rPr lang="pl-PL" dirty="0" smtClean="0"/>
+              <a:t>okumentacja</a:t>
+            </a:r>
+          </a:p>
+          <a:p>
+            <a:endParaRPr lang="pl-PL" dirty="0"/>
+          </a:p>
+        </p:txBody>
+      </p:sp>
+    </p:spTree>
+  </p:cSld>
+  <p:clrMapOvr>
+    <a:masterClrMapping/>
+  </p:clrMapOvr>
+  <p:timing>
+    <p:tnLst>
+      <p:par>
+        <p:cTn id="1" dur="indefinite" restart="never" nodeType="tmRoot"/>
+      </p:par>
+    </p:tnLst>
+  </p:timing>
+</p:sld>
+</file>
+
+<file path=ppt/slides/slide6.xml><?xml version="1.0" encoding="utf-8"?>
+<p:sld xmlns:a="http://schemas.openxmlformats.org/drawingml/2006/main" xmlns:r="http://schemas.openxmlformats.org/officeDocument/2006/relationships" xmlns:p="http://schemas.openxmlformats.org/presentationml/2006/main">
+  <p:cSld>
+    <p:bg>
+      <p:bgPr>
+        <a:blipFill dpi="0" rotWithShape="1">
+          <a:blip r:embed="rId2">
+            <a:lum/>
+          </a:blip>
+          <a:srcRect/>
+          <a:stretch>
+            <a:fillRect t="-17000" b="-17000"/>
+          </a:stretch>
+        </a:blipFill>
+        <a:effectLst/>
+      </p:bgPr>
+    </p:bg>
+    <p:spTree>
+      <p:nvGrpSpPr>
+        <p:cNvPr id="1" name=""/>
+        <p:cNvGrpSpPr/>
+        <p:nvPr/>
+      </p:nvGrpSpPr>
+      <p:grpSpPr>
+        <a:xfrm>
+          <a:off x="0" y="0"/>
+          <a:ext cx="0" cy="0"/>
+          <a:chOff x="0" y="0"/>
+          <a:chExt cx="0" cy="0"/>
+        </a:xfrm>
+      </p:grpSpPr>
+      <p:sp>
+        <p:nvSpPr>
+          <p:cNvPr id="2" name="Tytuł 1"/>
+          <p:cNvSpPr>
+            <a:spLocks noGrp="1"/>
+          </p:cNvSpPr>
+          <p:nvPr>
+            <p:ph type="title"/>
+          </p:nvPr>
+        </p:nvSpPr>
+        <p:spPr/>
+        <p:txBody>
+          <a:bodyPr/>
+          <a:lstStyle/>
+          <a:p>
+            <a:r>
               <a:rPr lang="pl-PL" dirty="0" err="1" smtClean="0"/>
               <a:t>GitHub</a:t>
             </a:r>
@@ -3813,7 +4826,7 @@
           <p:nvPr/>
         </p:nvPicPr>
         <p:blipFill>
-          <a:blip r:embed="rId2"/>
+          <a:blip r:embed="rId3"/>
           <a:srcRect/>
           <a:stretch>
             <a:fillRect/>
@@ -3835,12 +4848,33 @@
   <p:clrMapOvr>
     <a:masterClrMapping/>
   </p:clrMapOvr>
+  <p:timing>
+    <p:tnLst>
+      <p:par>
+        <p:cTn id="1" dur="indefinite" restart="never" nodeType="tmRoot"/>
+      </p:par>
+    </p:tnLst>
+  </p:timing>
 </p:sld>
 </file>
 
-<file path=ppt/slides/slide6.xml><?xml version="1.0" encoding="utf-8"?>
+<file path=ppt/slides/slide7.xml><?xml version="1.0" encoding="utf-8"?>
 <p:sld xmlns:a="http://schemas.openxmlformats.org/drawingml/2006/main" xmlns:r="http://schemas.openxmlformats.org/officeDocument/2006/relationships" xmlns:p="http://schemas.openxmlformats.org/presentationml/2006/main">
   <p:cSld>
+    <p:bg>
+      <p:bgPr>
+        <a:blipFill dpi="0" rotWithShape="1">
+          <a:blip r:embed="rId2">
+            <a:lum/>
+          </a:blip>
+          <a:srcRect/>
+          <a:stretch>
+            <a:fillRect t="-17000" b="-17000"/>
+          </a:stretch>
+        </a:blipFill>
+        <a:effectLst/>
+      </p:bgPr>
+    </p:bg>
     <p:spTree>
       <p:nvGrpSpPr>
         <p:cNvPr id="1" name=""/>
@@ -3867,79 +4901,78 @@
         </p:nvSpPr>
         <p:spPr/>
         <p:txBody>
-          <a:bodyPr>
-            <a:normAutofit/>
-          </a:bodyPr>
+          <a:bodyPr/>
           <a:lstStyle/>
           <a:p>
             <a:r>
               <a:rPr lang="pl-PL" dirty="0" smtClean="0"/>
-              <a:t>Unity</a:t>
+              <a:t>Issue tracker</a:t>
             </a:r>
             <a:endParaRPr lang="pl-PL" dirty="0"/>
           </a:p>
         </p:txBody>
       </p:sp>
-      <p:sp>
-        <p:nvSpPr>
-          <p:cNvPr id="3" name="Symbol zastępczy zawartości 2"/>
-          <p:cNvSpPr>
-            <a:spLocks noGrp="1"/>
-          </p:cNvSpPr>
-          <p:nvPr>
-            <p:ph idx="1"/>
-          </p:nvPr>
-        </p:nvSpPr>
-        <p:spPr/>
-        <p:txBody>
-          <a:bodyPr/>
-          <a:lstStyle/>
-          <a:p>
-            <a:pPr>
-              <a:buNone/>
-            </a:pPr>
-            <a:endParaRPr lang="pl-PL" dirty="0" smtClean="0"/>
-          </a:p>
-          <a:p>
-            <a:r>
-              <a:rPr lang="pl-PL" dirty="0" smtClean="0"/>
-              <a:t>Łatwość obsługi</a:t>
-            </a:r>
-          </a:p>
-          <a:p>
-            <a:r>
-              <a:rPr lang="pl-PL" dirty="0" smtClean="0"/>
-              <a:t>Dostępność rozwiązań</a:t>
-            </a:r>
-          </a:p>
-          <a:p>
-            <a:r>
-              <a:rPr lang="pl-PL" dirty="0" smtClean="0"/>
-              <a:t>Gotowe grafiki</a:t>
-            </a:r>
-          </a:p>
-          <a:p>
-            <a:r>
-              <a:rPr lang="pl-PL" dirty="0" smtClean="0"/>
-              <a:t>Rozbudowane środowisko</a:t>
-            </a:r>
-          </a:p>
-          <a:p>
-            <a:endParaRPr lang="pl-PL" dirty="0"/>
-          </a:p>
-        </p:txBody>
-      </p:sp>
+      <p:pic>
+        <p:nvPicPr>
+          <p:cNvPr id="6" name="Picture 5"/>
+          <p:cNvPicPr>
+            <a:picLocks noChangeAspect="1"/>
+          </p:cNvPicPr>
+          <p:nvPr/>
+        </p:nvPicPr>
+        <p:blipFill>
+          <a:blip r:embed="rId3"/>
+          <a:stretch>
+            <a:fillRect/>
+          </a:stretch>
+        </p:blipFill>
+        <p:spPr>
+          <a:xfrm>
+            <a:off x="1036496" y="1700808"/>
+            <a:ext cx="7650304" cy="3554139"/>
+          </a:xfrm>
+          <a:prstGeom prst="rect">
+            <a:avLst/>
+          </a:prstGeom>
+        </p:spPr>
+      </p:pic>
     </p:spTree>
+    <p:extLst>
+      <p:ext uri="{BB962C8B-B14F-4D97-AF65-F5344CB8AC3E}">
+        <p14:creationId xmlns:p14="http://schemas.microsoft.com/office/powerpoint/2010/main" val="452878413"/>
+      </p:ext>
+    </p:extLst>
   </p:cSld>
   <p:clrMapOvr>
     <a:masterClrMapping/>
   </p:clrMapOvr>
+  <p:timing>
+    <p:tnLst>
+      <p:par>
+        <p:cTn id="1" dur="indefinite" restart="never" nodeType="tmRoot"/>
+      </p:par>
+    </p:tnLst>
+  </p:timing>
 </p:sld>
 </file>
 
-<file path=ppt/slides/slide7.xml><?xml version="1.0" encoding="utf-8"?>
+<file path=ppt/slides/slide8.xml><?xml version="1.0" encoding="utf-8"?>
 <p:sld xmlns:a="http://schemas.openxmlformats.org/drawingml/2006/main" xmlns:r="http://schemas.openxmlformats.org/officeDocument/2006/relationships" xmlns:p="http://schemas.openxmlformats.org/presentationml/2006/main">
   <p:cSld>
+    <p:bg>
+      <p:bgPr>
+        <a:blipFill dpi="0" rotWithShape="1">
+          <a:blip r:embed="rId3">
+            <a:lum/>
+          </a:blip>
+          <a:srcRect/>
+          <a:stretch>
+            <a:fillRect t="-17000" b="-17000"/>
+          </a:stretch>
+        </a:blipFill>
+        <a:effectLst/>
+      </p:bgPr>
+    </p:bg>
     <p:spTree>
       <p:nvGrpSpPr>
         <p:cNvPr id="1" name=""/>
@@ -3966,74 +4999,78 @@
         </p:nvSpPr>
         <p:spPr/>
         <p:txBody>
-          <a:bodyPr>
-            <a:normAutofit/>
-          </a:bodyPr>
+          <a:bodyPr/>
           <a:lstStyle/>
           <a:p>
             <a:r>
               <a:rPr lang="pl-PL" dirty="0" smtClean="0"/>
-              <a:t>Problemy</a:t>
+              <a:t>Commits</a:t>
             </a:r>
             <a:endParaRPr lang="pl-PL" dirty="0"/>
           </a:p>
         </p:txBody>
       </p:sp>
-      <p:sp>
-        <p:nvSpPr>
-          <p:cNvPr id="3" name="Symbol zastępczy zawartości 2"/>
-          <p:cNvSpPr>
-            <a:spLocks noGrp="1"/>
-          </p:cNvSpPr>
-          <p:nvPr>
-            <p:ph idx="1"/>
-          </p:nvPr>
-        </p:nvSpPr>
-        <p:spPr/>
-        <p:txBody>
-          <a:bodyPr/>
-          <a:lstStyle/>
-          <a:p>
-            <a:endParaRPr lang="pl-PL" dirty="0" smtClean="0"/>
-          </a:p>
-          <a:p>
-            <a:r>
-              <a:rPr lang="pl-PL" dirty="0" smtClean="0"/>
-              <a:t>Mało czasu</a:t>
-            </a:r>
-          </a:p>
-          <a:p>
-            <a:r>
-              <a:rPr lang="pl-PL" dirty="0" smtClean="0"/>
-              <a:t>Brak możliwości częstych spotkań</a:t>
-            </a:r>
-          </a:p>
-          <a:p>
-            <a:r>
-              <a:rPr lang="pl-PL" dirty="0" smtClean="0"/>
-              <a:t>Sporadyczne spotkania</a:t>
-            </a:r>
-          </a:p>
-          <a:p>
-            <a:r>
-              <a:rPr lang="pl-PL" dirty="0" smtClean="0"/>
-              <a:t>Spóźnienia</a:t>
-            </a:r>
-            <a:endParaRPr lang="pl-PL" dirty="0"/>
-          </a:p>
-        </p:txBody>
-      </p:sp>
+      <p:pic>
+        <p:nvPicPr>
+          <p:cNvPr id="3" name="Picture 2"/>
+          <p:cNvPicPr>
+            <a:picLocks noChangeAspect="1"/>
+          </p:cNvPicPr>
+          <p:nvPr/>
+        </p:nvPicPr>
+        <p:blipFill>
+          <a:blip r:embed="rId4"/>
+          <a:stretch>
+            <a:fillRect/>
+          </a:stretch>
+        </p:blipFill>
+        <p:spPr>
+          <a:xfrm>
+            <a:off x="683568" y="2492896"/>
+            <a:ext cx="7776864" cy="2610580"/>
+          </a:xfrm>
+          <a:prstGeom prst="rect">
+            <a:avLst/>
+          </a:prstGeom>
+        </p:spPr>
+      </p:pic>
     </p:spTree>
+    <p:extLst>
+      <p:ext uri="{BB962C8B-B14F-4D97-AF65-F5344CB8AC3E}">
+        <p14:creationId xmlns:p14="http://schemas.microsoft.com/office/powerpoint/2010/main" val="1753927848"/>
+      </p:ext>
+    </p:extLst>
   </p:cSld>
   <p:clrMapOvr>
     <a:masterClrMapping/>
   </p:clrMapOvr>
+  <p:timing>
+    <p:tnLst>
+      <p:par>
+        <p:cTn id="1" dur="indefinite" restart="never" nodeType="tmRoot"/>
+      </p:par>
+    </p:tnLst>
+  </p:timing>
 </p:sld>
 </file>
 
-<file path=ppt/slides/slide8.xml><?xml version="1.0" encoding="utf-8"?>
+<file path=ppt/slides/slide9.xml><?xml version="1.0" encoding="utf-8"?>
 <p:sld xmlns:a="http://schemas.openxmlformats.org/drawingml/2006/main" xmlns:r="http://schemas.openxmlformats.org/officeDocument/2006/relationships" xmlns:p="http://schemas.openxmlformats.org/presentationml/2006/main">
   <p:cSld>
+    <p:bg>
+      <p:bgPr>
+        <a:blipFill dpi="0" rotWithShape="1">
+          <a:blip r:embed="rId2">
+            <a:lum/>
+          </a:blip>
+          <a:srcRect/>
+          <a:stretch>
+            <a:fillRect t="-17000" b="-17000"/>
+          </a:stretch>
+        </a:blipFill>
+        <a:effectLst/>
+      </p:bgPr>
+    </p:bg>
     <p:spTree>
       <p:nvGrpSpPr>
         <p:cNvPr id="1" name=""/>
@@ -4060,122 +5097,86 @@
         </p:nvSpPr>
         <p:spPr/>
         <p:txBody>
-          <a:bodyPr/>
+          <a:bodyPr>
+            <a:normAutofit/>
+          </a:bodyPr>
           <a:lstStyle/>
           <a:p>
             <a:r>
               <a:rPr lang="pl-PL" dirty="0" smtClean="0"/>
-              <a:t>Co się udało?</a:t>
+              <a:t>Unity</a:t>
             </a:r>
             <a:endParaRPr lang="pl-PL" dirty="0"/>
           </a:p>
         </p:txBody>
       </p:sp>
-      <p:pic>
-        <p:nvPicPr>
-          <p:cNvPr id="1027" name="Picture 3" descr="C:\Users\piotr\Desktop\randgame\rand.png"/>
-          <p:cNvPicPr>
-            <a:picLocks noChangeAspect="1" noChangeArrowheads="1"/>
-          </p:cNvPicPr>
-          <p:nvPr/>
-        </p:nvPicPr>
-        <p:blipFill>
-          <a:blip r:embed="rId2"/>
-          <a:srcRect/>
-          <a:stretch>
-            <a:fillRect/>
-          </a:stretch>
-        </p:blipFill>
-        <p:spPr bwMode="auto">
-          <a:xfrm>
-            <a:off x="428596" y="1428736"/>
-            <a:ext cx="8229600" cy="4629150"/>
-          </a:xfrm>
-          <a:prstGeom prst="rect">
-            <a:avLst/>
-          </a:prstGeom>
-          <a:noFill/>
-        </p:spPr>
-      </p:pic>
+      <p:sp>
+        <p:nvSpPr>
+          <p:cNvPr id="3" name="Symbol zastępczy zawartości 2"/>
+          <p:cNvSpPr>
+            <a:spLocks noGrp="1"/>
+          </p:cNvSpPr>
+          <p:nvPr>
+            <p:ph idx="1"/>
+          </p:nvPr>
+        </p:nvSpPr>
+        <p:spPr/>
+        <p:txBody>
+          <a:bodyPr/>
+          <a:lstStyle/>
+          <a:p>
+            <a:pPr>
+              <a:buNone/>
+            </a:pPr>
+            <a:endParaRPr lang="pl-PL" dirty="0" smtClean="0"/>
+          </a:p>
+          <a:p>
+            <a:r>
+              <a:rPr lang="pl-PL" dirty="0" smtClean="0"/>
+              <a:t>Łatwość obsługi</a:t>
+            </a:r>
+          </a:p>
+          <a:p>
+            <a:r>
+              <a:rPr lang="pl-PL" dirty="0" smtClean="0"/>
+              <a:t>Dostępność rozwiązań</a:t>
+            </a:r>
+          </a:p>
+          <a:p>
+            <a:r>
+              <a:rPr lang="pl-PL" dirty="0" smtClean="0"/>
+              <a:t>Gotowe grafiki</a:t>
+            </a:r>
+          </a:p>
+          <a:p>
+            <a:r>
+              <a:rPr lang="pl-PL" dirty="0" smtClean="0"/>
+              <a:t>Rozbudowane środowisko</a:t>
+            </a:r>
+          </a:p>
+          <a:p>
+            <a:r>
+              <a:rPr lang="pl-PL" dirty="0" smtClean="0"/>
+              <a:t>Mono gwarantuje multiplatformowość</a:t>
+            </a:r>
+          </a:p>
+          <a:p>
+            <a:endParaRPr lang="pl-PL" dirty="0"/>
+          </a:p>
+        </p:txBody>
+      </p:sp>
     </p:spTree>
   </p:cSld>
   <p:clrMapOvr>
     <a:masterClrMapping/>
   </p:clrMapOvr>
-</p:sld>
-</file>
-
-<file path=ppt/slides/slide9.xml><?xml version="1.0" encoding="utf-8"?>
-<p:sld xmlns:a="http://schemas.openxmlformats.org/drawingml/2006/main" xmlns:r="http://schemas.openxmlformats.org/officeDocument/2006/relationships" xmlns:p="http://schemas.openxmlformats.org/presentationml/2006/main">
-  <p:cSld>
-    <p:spTree>
-      <p:nvGrpSpPr>
-        <p:cNvPr id="1" name=""/>
-        <p:cNvGrpSpPr/>
-        <p:nvPr/>
-      </p:nvGrpSpPr>
-      <p:grpSpPr>
-        <a:xfrm>
-          <a:off x="0" y="0"/>
-          <a:ext cx="0" cy="0"/>
-          <a:chOff x="0" y="0"/>
-          <a:chExt cx="0" cy="0"/>
-        </a:xfrm>
-      </p:grpSpPr>
-      <p:sp>
-        <p:nvSpPr>
-          <p:cNvPr id="2" name="Tytuł 1"/>
-          <p:cNvSpPr>
-            <a:spLocks noGrp="1"/>
-          </p:cNvSpPr>
-          <p:nvPr>
-            <p:ph type="title"/>
-          </p:nvPr>
-        </p:nvSpPr>
-        <p:spPr/>
-        <p:txBody>
-          <a:bodyPr/>
-          <a:lstStyle/>
-          <a:p>
-            <a:r>
-              <a:rPr lang="pl-PL" dirty="0" smtClean="0"/>
-              <a:t>Co się udało2?</a:t>
-            </a:r>
-            <a:endParaRPr lang="pl-PL" dirty="0"/>
-          </a:p>
-        </p:txBody>
-      </p:sp>
-      <p:pic>
-        <p:nvPicPr>
-          <p:cNvPr id="2050" name="Picture 2" descr="C:\Users\piotr\Downloads\rand2.png"/>
-          <p:cNvPicPr>
-            <a:picLocks noChangeAspect="1" noChangeArrowheads="1"/>
-          </p:cNvPicPr>
-          <p:nvPr/>
-        </p:nvPicPr>
-        <p:blipFill>
-          <a:blip r:embed="rId2"/>
-          <a:srcRect/>
-          <a:stretch>
-            <a:fillRect/>
-          </a:stretch>
-        </p:blipFill>
-        <p:spPr bwMode="auto">
-          <a:xfrm>
-            <a:off x="357158" y="1571612"/>
-            <a:ext cx="8229601" cy="4629150"/>
-          </a:xfrm>
-          <a:prstGeom prst="rect">
-            <a:avLst/>
-          </a:prstGeom>
-          <a:noFill/>
-        </p:spPr>
-      </p:pic>
-    </p:spTree>
-  </p:cSld>
-  <p:clrMapOvr>
-    <a:masterClrMapping/>
-  </p:clrMapOvr>
+  <p:timing>
+    <p:tnLst>
+      <p:par>
+        <p:cTn id="1" dur="indefinite" restart="never" nodeType="tmRoot"/>
+      </p:par>
+    </p:tnLst>
+  </p:timing>
 </p:sld>
 </file>
 
@@ -4460,4 +5461,265 @@
   <a:objectDefaults/>
   <a:extraClrSchemeLst/>
 </a:theme>
+</file>
+
+<file path=ppt/theme/theme2.xml><?xml version="1.0" encoding="utf-8"?>
+<a:theme xmlns:a="http://schemas.openxmlformats.org/drawingml/2006/main" name="Office Theme">
+  <a:themeElements>
+    <a:clrScheme name="Office">
+      <a:dk1>
+        <a:sysClr val="windowText" lastClr="000000"/>
+      </a:dk1>
+      <a:lt1>
+        <a:sysClr val="window" lastClr="FFFFFF"/>
+      </a:lt1>
+      <a:dk2>
+        <a:srgbClr val="44546A"/>
+      </a:dk2>
+      <a:lt2>
+        <a:srgbClr val="E7E6E6"/>
+      </a:lt2>
+      <a:accent1>
+        <a:srgbClr val="5B9BD5"/>
+      </a:accent1>
+      <a:accent2>
+        <a:srgbClr val="ED7D31"/>
+      </a:accent2>
+      <a:accent3>
+        <a:srgbClr val="A5A5A5"/>
+      </a:accent3>
+      <a:accent4>
+        <a:srgbClr val="FFC000"/>
+      </a:accent4>
+      <a:accent5>
+        <a:srgbClr val="4472C4"/>
+      </a:accent5>
+      <a:accent6>
+        <a:srgbClr val="70AD47"/>
+      </a:accent6>
+      <a:hlink>
+        <a:srgbClr val="0563C1"/>
+      </a:hlink>
+      <a:folHlink>
+        <a:srgbClr val="954F72"/>
+      </a:folHlink>
+    </a:clrScheme>
+    <a:fontScheme name="Office">
+      <a:majorFont>
+        <a:latin typeface="Calibri Light" panose="020F0302020204030204"/>
+        <a:ea typeface=""/>
+        <a:cs typeface=""/>
+        <a:font script="Jpan" typeface="ＭＳ Ｐゴシック"/>
+        <a:font script="Hang" typeface="맑은 고딕"/>
+        <a:font script="Hans" typeface="宋体"/>
+        <a:font script="Hant" typeface="新細明體"/>
+        <a:font script="Arab" typeface="Times New Roman"/>
+        <a:font script="Hebr" typeface="Times New Roman"/>
+        <a:font script="Thai" typeface="Angsana New"/>
+        <a:font script="Ethi" typeface="Nyala"/>
+        <a:font script="Beng" typeface="Vrinda"/>
+        <a:font script="Gujr" typeface="Shruti"/>
+        <a:font script="Khmr" typeface="MoolBoran"/>
+        <a:font script="Knda" typeface="Tunga"/>
+        <a:font script="Guru" typeface="Raavi"/>
+        <a:font script="Cans" typeface="Euphemia"/>
+        <a:font script="Cher" typeface="Plantagenet Cherokee"/>
+        <a:font script="Yiii" typeface="Microsoft Yi Baiti"/>
+        <a:font script="Tibt" typeface="Microsoft Himalaya"/>
+        <a:font script="Thaa" typeface="MV Boli"/>
+        <a:font script="Deva" typeface="Mangal"/>
+        <a:font script="Telu" typeface="Gautami"/>
+        <a:font script="Taml" typeface="Latha"/>
+        <a:font script="Syrc" typeface="Estrangelo Edessa"/>
+        <a:font script="Orya" typeface="Kalinga"/>
+        <a:font script="Mlym" typeface="Kartika"/>
+        <a:font script="Laoo" typeface="DokChampa"/>
+        <a:font script="Sinh" typeface="Iskoola Pota"/>
+        <a:font script="Mong" typeface="Mongolian Baiti"/>
+        <a:font script="Viet" typeface="Times New Roman"/>
+        <a:font script="Uigh" typeface="Microsoft Uighur"/>
+        <a:font script="Geor" typeface="Sylfaen"/>
+      </a:majorFont>
+      <a:minorFont>
+        <a:latin typeface="Calibri" panose="020F0502020204030204"/>
+        <a:ea typeface=""/>
+        <a:cs typeface=""/>
+        <a:font script="Jpan" typeface="ＭＳ Ｐゴシック"/>
+        <a:font script="Hang" typeface="맑은 고딕"/>
+        <a:font script="Hans" typeface="宋体"/>
+        <a:font script="Hant" typeface="新細明體"/>
+        <a:font script="Arab" typeface="Arial"/>
+        <a:font script="Hebr" typeface="Arial"/>
+        <a:font script="Thai" typeface="Cordia New"/>
+        <a:font script="Ethi" typeface="Nyala"/>
+        <a:font script="Beng" typeface="Vrinda"/>
+        <a:font script="Gujr" typeface="Shruti"/>
+        <a:font script="Khmr" typeface="DaunPenh"/>
+        <a:font script="Knda" typeface="Tunga"/>
+        <a:font script="Guru" typeface="Raavi"/>
+        <a:font script="Cans" typeface="Euphemia"/>
+        <a:font script="Cher" typeface="Plantagenet Cherokee"/>
+        <a:font script="Yiii" typeface="Microsoft Yi Baiti"/>
+        <a:font script="Tibt" typeface="Microsoft Himalaya"/>
+        <a:font script="Thaa" typeface="MV Boli"/>
+        <a:font script="Deva" typeface="Mangal"/>
+        <a:font script="Telu" typeface="Gautami"/>
+        <a:font script="Taml" typeface="Latha"/>
+        <a:font script="Syrc" typeface="Estrangelo Edessa"/>
+        <a:font script="Orya" typeface="Kalinga"/>
+        <a:font script="Mlym" typeface="Kartika"/>
+        <a:font script="Laoo" typeface="DokChampa"/>
+        <a:font script="Sinh" typeface="Iskoola Pota"/>
+        <a:font script="Mong" typeface="Mongolian Baiti"/>
+        <a:font script="Viet" typeface="Arial"/>
+        <a:font script="Uigh" typeface="Microsoft Uighur"/>
+        <a:font script="Geor" typeface="Sylfaen"/>
+      </a:minorFont>
+    </a:fontScheme>
+    <a:fmtScheme name="Office">
+      <a:fillStyleLst>
+        <a:solidFill>
+          <a:schemeClr val="phClr"/>
+        </a:solidFill>
+        <a:gradFill rotWithShape="1">
+          <a:gsLst>
+            <a:gs pos="0">
+              <a:schemeClr val="phClr">
+                <a:lumMod val="110000"/>
+                <a:satMod val="105000"/>
+                <a:tint val="67000"/>
+              </a:schemeClr>
+            </a:gs>
+            <a:gs pos="50000">
+              <a:schemeClr val="phClr">
+                <a:lumMod val="105000"/>
+                <a:satMod val="103000"/>
+                <a:tint val="73000"/>
+              </a:schemeClr>
+            </a:gs>
+            <a:gs pos="100000">
+              <a:schemeClr val="phClr">
+                <a:lumMod val="105000"/>
+                <a:satMod val="109000"/>
+                <a:tint val="81000"/>
+              </a:schemeClr>
+            </a:gs>
+          </a:gsLst>
+          <a:lin ang="5400000" scaled="0"/>
+        </a:gradFill>
+        <a:gradFill rotWithShape="1">
+          <a:gsLst>
+            <a:gs pos="0">
+              <a:schemeClr val="phClr">
+                <a:satMod val="103000"/>
+                <a:lumMod val="102000"/>
+                <a:tint val="94000"/>
+              </a:schemeClr>
+            </a:gs>
+            <a:gs pos="50000">
+              <a:schemeClr val="phClr">
+                <a:satMod val="110000"/>
+                <a:lumMod val="100000"/>
+                <a:shade val="100000"/>
+              </a:schemeClr>
+            </a:gs>
+            <a:gs pos="100000">
+              <a:schemeClr val="phClr">
+                <a:lumMod val="99000"/>
+                <a:satMod val="120000"/>
+                <a:shade val="78000"/>
+              </a:schemeClr>
+            </a:gs>
+          </a:gsLst>
+          <a:lin ang="5400000" scaled="0"/>
+        </a:gradFill>
+      </a:fillStyleLst>
+      <a:lnStyleLst>
+        <a:ln w="6350" cap="flat" cmpd="sng" algn="ctr">
+          <a:solidFill>
+            <a:schemeClr val="phClr"/>
+          </a:solidFill>
+          <a:prstDash val="solid"/>
+          <a:miter lim="800000"/>
+        </a:ln>
+        <a:ln w="12700" cap="flat" cmpd="sng" algn="ctr">
+          <a:solidFill>
+            <a:schemeClr val="phClr"/>
+          </a:solidFill>
+          <a:prstDash val="solid"/>
+          <a:miter lim="800000"/>
+        </a:ln>
+        <a:ln w="19050" cap="flat" cmpd="sng" algn="ctr">
+          <a:solidFill>
+            <a:schemeClr val="phClr"/>
+          </a:solidFill>
+          <a:prstDash val="solid"/>
+          <a:miter lim="800000"/>
+        </a:ln>
+      </a:lnStyleLst>
+      <a:effectStyleLst>
+        <a:effectStyle>
+          <a:effectLst/>
+        </a:effectStyle>
+        <a:effectStyle>
+          <a:effectLst/>
+        </a:effectStyle>
+        <a:effectStyle>
+          <a:effectLst>
+            <a:outerShdw blurRad="57150" dist="19050" dir="5400000" algn="ctr" rotWithShape="0">
+              <a:srgbClr val="000000">
+                <a:alpha val="63000"/>
+              </a:srgbClr>
+            </a:outerShdw>
+          </a:effectLst>
+        </a:effectStyle>
+      </a:effectStyleLst>
+      <a:bgFillStyleLst>
+        <a:solidFill>
+          <a:schemeClr val="phClr"/>
+        </a:solidFill>
+        <a:solidFill>
+          <a:schemeClr val="phClr">
+            <a:tint val="95000"/>
+            <a:satMod val="170000"/>
+          </a:schemeClr>
+        </a:solidFill>
+        <a:gradFill rotWithShape="1">
+          <a:gsLst>
+            <a:gs pos="0">
+              <a:schemeClr val="phClr">
+                <a:tint val="93000"/>
+                <a:satMod val="150000"/>
+                <a:shade val="98000"/>
+                <a:lumMod val="102000"/>
+              </a:schemeClr>
+            </a:gs>
+            <a:gs pos="50000">
+              <a:schemeClr val="phClr">
+                <a:tint val="98000"/>
+                <a:satMod val="130000"/>
+                <a:shade val="90000"/>
+                <a:lumMod val="103000"/>
+              </a:schemeClr>
+            </a:gs>
+            <a:gs pos="100000">
+              <a:schemeClr val="phClr">
+                <a:shade val="63000"/>
+                <a:satMod val="120000"/>
+              </a:schemeClr>
+            </a:gs>
+          </a:gsLst>
+          <a:lin ang="5400000" scaled="0"/>
+        </a:gradFill>
+      </a:bgFillStyleLst>
+    </a:fmtScheme>
+  </a:themeElements>
+  <a:objectDefaults/>
+  <a:extraClrSchemeLst/>
+  <a:extLst>
+    <a:ext uri="{05A4C25C-085E-4340-85A3-A5531E510DB2}">
+      <thm15:themeFamily xmlns:thm15="http://schemas.microsoft.com/office/thememl/2012/main" name="Office Theme" id="{62F939B6-93AF-4DB8-9C6B-D6C7DFDC589F}" vid="{4A3C46E8-61CC-4603-A589-7422A47A8E4A}"/>
+    </a:ext>
+  </a:extLst>
+</a:theme>
 </file>